--- a/review2.pptx
+++ b/review2.pptx
@@ -5,7 +5,7 @@
     <p:sldMasterId id="2147483659" r:id="rId1"/>
   </p:sldMasterIdLst>
   <p:notesMasterIdLst>
-    <p:notesMasterId r:id="rId14"/>
+    <p:notesMasterId r:id="rId15"/>
   </p:notesMasterIdLst>
   <p:sldIdLst>
     <p:sldId id="256" r:id="rId2"/>
@@ -14,12 +14,13 @@
     <p:sldId id="273" r:id="rId5"/>
     <p:sldId id="268" r:id="rId6"/>
     <p:sldId id="272" r:id="rId7"/>
-    <p:sldId id="271" r:id="rId8"/>
-    <p:sldId id="270" r:id="rId9"/>
-    <p:sldId id="274" r:id="rId10"/>
-    <p:sldId id="265" r:id="rId11"/>
-    <p:sldId id="275" r:id="rId12"/>
-    <p:sldId id="266" r:id="rId13"/>
+    <p:sldId id="276" r:id="rId8"/>
+    <p:sldId id="277" r:id="rId9"/>
+    <p:sldId id="270" r:id="rId10"/>
+    <p:sldId id="274" r:id="rId11"/>
+    <p:sldId id="265" r:id="rId12"/>
+    <p:sldId id="275" r:id="rId13"/>
+    <p:sldId id="266" r:id="rId14"/>
   </p:sldIdLst>
   <p:sldSz cx="12192000" cy="6858000"/>
   <p:notesSz cx="6858000" cy="9144000"/>
@@ -4758,6 +4759,115 @@
   <p:cSld>
     <p:spTree>
       <p:nvGrpSpPr>
+        <p:cNvPr id="1" name="Shape 140"/>
+        <p:cNvGrpSpPr/>
+        <p:nvPr/>
+      </p:nvGrpSpPr>
+      <p:grpSpPr>
+        <a:xfrm>
+          <a:off x="0" y="0"/>
+          <a:ext cx="0" cy="0"/>
+          <a:chOff x="0" y="0"/>
+          <a:chExt cx="0" cy="0"/>
+        </a:xfrm>
+      </p:grpSpPr>
+      <p:sp>
+        <p:nvSpPr>
+          <p:cNvPr id="141" name="Google Shape;141;p10:notes"/>
+          <p:cNvSpPr txBox="1">
+            <a:spLocks noGrp="1"/>
+          </p:cNvSpPr>
+          <p:nvPr>
+            <p:ph type="body" idx="1"/>
+          </p:nvPr>
+        </p:nvSpPr>
+        <p:spPr>
+          <a:xfrm>
+            <a:off x="685800" y="4343400"/>
+            <a:ext cx="5486400" cy="4114800"/>
+          </a:xfrm>
+          <a:prstGeom prst="rect">
+            <a:avLst/>
+          </a:prstGeom>
+        </p:spPr>
+        <p:txBody>
+          <a:bodyPr spcFirstLastPara="1" wrap="square" lIns="91425" tIns="91425" rIns="91425" bIns="91425" anchor="t" anchorCtr="0">
+            <a:noAutofit/>
+          </a:bodyPr>
+          <a:lstStyle/>
+          <a:p>
+            <a:pPr marL="0" lvl="0" indent="0" algn="l" rtl="0">
+              <a:spcBef>
+                <a:spcPts val="0"/>
+              </a:spcBef>
+              <a:spcAft>
+                <a:spcPts val="0"/>
+              </a:spcAft>
+              <a:buNone/>
+            </a:pPr>
+            <a:endParaRPr/>
+          </a:p>
+        </p:txBody>
+      </p:sp>
+      <p:sp>
+        <p:nvSpPr>
+          <p:cNvPr id="142" name="Google Shape;142;p10:notes"/>
+          <p:cNvSpPr>
+            <a:spLocks noGrp="1" noRot="1" noChangeAspect="1"/>
+          </p:cNvSpPr>
+          <p:nvPr>
+            <p:ph type="sldImg" idx="2"/>
+          </p:nvPr>
+        </p:nvSpPr>
+        <p:spPr>
+          <a:xfrm>
+            <a:off x="381000" y="685800"/>
+            <a:ext cx="6096000" cy="3429000"/>
+          </a:xfrm>
+          <a:custGeom>
+            <a:avLst/>
+            <a:gdLst/>
+            <a:ahLst/>
+            <a:cxnLst/>
+            <a:rect l="l" t="t" r="r" b="b"/>
+            <a:pathLst>
+              <a:path w="120000" h="120000" extrusionOk="0">
+                <a:moveTo>
+                  <a:pt x="0" y="0"/>
+                </a:moveTo>
+                <a:lnTo>
+                  <a:pt x="120000" y="0"/>
+                </a:lnTo>
+                <a:lnTo>
+                  <a:pt x="120000" y="120000"/>
+                </a:lnTo>
+                <a:lnTo>
+                  <a:pt x="0" y="120000"/>
+                </a:lnTo>
+                <a:close/>
+              </a:path>
+            </a:pathLst>
+          </a:custGeom>
+        </p:spPr>
+      </p:sp>
+    </p:spTree>
+    <p:extLst>
+      <p:ext uri="{BB962C8B-B14F-4D97-AF65-F5344CB8AC3E}">
+        <p14:creationId xmlns:p14="http://schemas.microsoft.com/office/powerpoint/2010/main" val="2812431322"/>
+      </p:ext>
+    </p:extLst>
+  </p:cSld>
+  <p:clrMapOvr>
+    <a:masterClrMapping/>
+  </p:clrMapOvr>
+</p:notes>
+</file>
+
+<file path=ppt/notesSlides/notesSlide11.xml><?xml version="1.0" encoding="utf-8"?>
+<p:notes xmlns:a="http://schemas.openxmlformats.org/drawingml/2006/main" xmlns:r="http://schemas.openxmlformats.org/officeDocument/2006/relationships" xmlns:p="http://schemas.openxmlformats.org/presentationml/2006/main" showMasterSp="0" showMasterPhAnim="0">
+  <p:cSld>
+    <p:spTree>
+      <p:nvGrpSpPr>
         <p:cNvPr id="1" name="Shape 146"/>
         <p:cNvGrpSpPr/>
         <p:nvPr/>
@@ -5412,7 +5522,13 @@
   <p:cSld>
     <p:spTree>
       <p:nvGrpSpPr>
-        <p:cNvPr id="1" name="Shape 110"/>
+        <p:cNvPr id="1" name="Shape 110">
+          <a:extLst>
+            <a:ext uri="{FF2B5EF4-FFF2-40B4-BE49-F238E27FC236}">
+              <a16:creationId xmlns:a16="http://schemas.microsoft.com/office/drawing/2014/main" id="{A547DA56-C2D2-7AB5-0CF6-2C07BBE92351}"/>
+            </a:ext>
+          </a:extLst>
+        </p:cNvPr>
         <p:cNvGrpSpPr/>
         <p:nvPr/>
       </p:nvGrpSpPr>
@@ -5426,7 +5542,13 @@
       </p:grpSpPr>
       <p:sp>
         <p:nvSpPr>
-          <p:cNvPr id="111" name="Google Shape;111;p5:notes"/>
+          <p:cNvPr id="111" name="Google Shape;111;p5:notes">
+            <a:extLst>
+              <a:ext uri="{FF2B5EF4-FFF2-40B4-BE49-F238E27FC236}">
+                <a16:creationId xmlns:a16="http://schemas.microsoft.com/office/drawing/2014/main" id="{0C562CD6-1E95-2794-DDAA-2647AAA57ACF}"/>
+              </a:ext>
+            </a:extLst>
+          </p:cNvPr>
           <p:cNvSpPr txBox="1">
             <a:spLocks noGrp="1"/>
           </p:cNvSpPr>
@@ -5464,7 +5586,13 @@
       </p:sp>
       <p:sp>
         <p:nvSpPr>
-          <p:cNvPr id="112" name="Google Shape;112;p5:notes"/>
+          <p:cNvPr id="112" name="Google Shape;112;p5:notes">
+            <a:extLst>
+              <a:ext uri="{FF2B5EF4-FFF2-40B4-BE49-F238E27FC236}">
+                <a16:creationId xmlns:a16="http://schemas.microsoft.com/office/drawing/2014/main" id="{751B3AEE-4C1E-C93A-1D64-65524D85F195}"/>
+              </a:ext>
+            </a:extLst>
+          </p:cNvPr>
           <p:cNvSpPr>
             <a:spLocks noGrp="1" noRot="1" noChangeAspect="1"/>
           </p:cNvSpPr>
@@ -5506,7 +5634,7 @@
     </p:spTree>
     <p:extLst>
       <p:ext uri="{BB962C8B-B14F-4D97-AF65-F5344CB8AC3E}">
-        <p14:creationId xmlns:p14="http://schemas.microsoft.com/office/powerpoint/2010/main" val="1594210971"/>
+        <p14:creationId xmlns:p14="http://schemas.microsoft.com/office/powerpoint/2010/main" val="413140704"/>
       </p:ext>
     </p:extLst>
   </p:cSld>
@@ -5517,6 +5645,133 @@
 </file>
 
 <file path=ppt/notesSlides/notesSlide8.xml><?xml version="1.0" encoding="utf-8"?>
+<p:notes xmlns:a="http://schemas.openxmlformats.org/drawingml/2006/main" xmlns:r="http://schemas.openxmlformats.org/officeDocument/2006/relationships" xmlns:p="http://schemas.openxmlformats.org/presentationml/2006/main" showMasterSp="0" showMasterPhAnim="0">
+  <p:cSld>
+    <p:spTree>
+      <p:nvGrpSpPr>
+        <p:cNvPr id="1" name="Shape 110">
+          <a:extLst>
+            <a:ext uri="{FF2B5EF4-FFF2-40B4-BE49-F238E27FC236}">
+              <a16:creationId xmlns:a16="http://schemas.microsoft.com/office/drawing/2014/main" id="{9728DC67-0CA5-CE3F-20F5-A7B67EBEDDC7}"/>
+            </a:ext>
+          </a:extLst>
+        </p:cNvPr>
+        <p:cNvGrpSpPr/>
+        <p:nvPr/>
+      </p:nvGrpSpPr>
+      <p:grpSpPr>
+        <a:xfrm>
+          <a:off x="0" y="0"/>
+          <a:ext cx="0" cy="0"/>
+          <a:chOff x="0" y="0"/>
+          <a:chExt cx="0" cy="0"/>
+        </a:xfrm>
+      </p:grpSpPr>
+      <p:sp>
+        <p:nvSpPr>
+          <p:cNvPr id="111" name="Google Shape;111;p5:notes">
+            <a:extLst>
+              <a:ext uri="{FF2B5EF4-FFF2-40B4-BE49-F238E27FC236}">
+                <a16:creationId xmlns:a16="http://schemas.microsoft.com/office/drawing/2014/main" id="{3FBDFDE0-18E5-BC76-7990-D846B2B22A57}"/>
+              </a:ext>
+            </a:extLst>
+          </p:cNvPr>
+          <p:cNvSpPr txBox="1">
+            <a:spLocks noGrp="1"/>
+          </p:cNvSpPr>
+          <p:nvPr>
+            <p:ph type="body" idx="1"/>
+          </p:nvPr>
+        </p:nvSpPr>
+        <p:spPr>
+          <a:xfrm>
+            <a:off x="685800" y="4343400"/>
+            <a:ext cx="5486400" cy="4114800"/>
+          </a:xfrm>
+          <a:prstGeom prst="rect">
+            <a:avLst/>
+          </a:prstGeom>
+        </p:spPr>
+        <p:txBody>
+          <a:bodyPr spcFirstLastPara="1" wrap="square" lIns="91425" tIns="91425" rIns="91425" bIns="91425" anchor="t" anchorCtr="0">
+            <a:noAutofit/>
+          </a:bodyPr>
+          <a:lstStyle/>
+          <a:p>
+            <a:pPr marL="0" lvl="0" indent="0" algn="l" rtl="0">
+              <a:spcBef>
+                <a:spcPts val="0"/>
+              </a:spcBef>
+              <a:spcAft>
+                <a:spcPts val="0"/>
+              </a:spcAft>
+              <a:buNone/>
+            </a:pPr>
+            <a:endParaRPr/>
+          </a:p>
+        </p:txBody>
+      </p:sp>
+      <p:sp>
+        <p:nvSpPr>
+          <p:cNvPr id="112" name="Google Shape;112;p5:notes">
+            <a:extLst>
+              <a:ext uri="{FF2B5EF4-FFF2-40B4-BE49-F238E27FC236}">
+                <a16:creationId xmlns:a16="http://schemas.microsoft.com/office/drawing/2014/main" id="{14D15D95-C9BC-BD8B-3248-EA5082C24E52}"/>
+              </a:ext>
+            </a:extLst>
+          </p:cNvPr>
+          <p:cNvSpPr>
+            <a:spLocks noGrp="1" noRot="1" noChangeAspect="1"/>
+          </p:cNvSpPr>
+          <p:nvPr>
+            <p:ph type="sldImg" idx="2"/>
+          </p:nvPr>
+        </p:nvSpPr>
+        <p:spPr>
+          <a:xfrm>
+            <a:off x="381000" y="685800"/>
+            <a:ext cx="6096000" cy="3429000"/>
+          </a:xfrm>
+          <a:custGeom>
+            <a:avLst/>
+            <a:gdLst/>
+            <a:ahLst/>
+            <a:cxnLst/>
+            <a:rect l="l" t="t" r="r" b="b"/>
+            <a:pathLst>
+              <a:path w="120000" h="120000" extrusionOk="0">
+                <a:moveTo>
+                  <a:pt x="0" y="0"/>
+                </a:moveTo>
+                <a:lnTo>
+                  <a:pt x="120000" y="0"/>
+                </a:lnTo>
+                <a:lnTo>
+                  <a:pt x="120000" y="120000"/>
+                </a:lnTo>
+                <a:lnTo>
+                  <a:pt x="0" y="120000"/>
+                </a:lnTo>
+                <a:close/>
+              </a:path>
+            </a:pathLst>
+          </a:custGeom>
+        </p:spPr>
+      </p:sp>
+    </p:spTree>
+    <p:extLst>
+      <p:ext uri="{BB962C8B-B14F-4D97-AF65-F5344CB8AC3E}">
+        <p14:creationId xmlns:p14="http://schemas.microsoft.com/office/powerpoint/2010/main" val="3915958855"/>
+      </p:ext>
+    </p:extLst>
+  </p:cSld>
+  <p:clrMapOvr>
+    <a:masterClrMapping/>
+  </p:clrMapOvr>
+</p:notes>
+</file>
+
+<file path=ppt/notesSlides/notesSlide9.xml><?xml version="1.0" encoding="utf-8"?>
 <p:notes xmlns:a="http://schemas.openxmlformats.org/drawingml/2006/main" xmlns:r="http://schemas.openxmlformats.org/officeDocument/2006/relationships" xmlns:p="http://schemas.openxmlformats.org/presentationml/2006/main" showMasterSp="0" showMasterPhAnim="0">
   <p:cSld>
     <p:spTree>
@@ -5616,115 +5871,6 @@
     <p:extLst>
       <p:ext uri="{BB962C8B-B14F-4D97-AF65-F5344CB8AC3E}">
         <p14:creationId xmlns:p14="http://schemas.microsoft.com/office/powerpoint/2010/main" val="2215593523"/>
-      </p:ext>
-    </p:extLst>
-  </p:cSld>
-  <p:clrMapOvr>
-    <a:masterClrMapping/>
-  </p:clrMapOvr>
-</p:notes>
-</file>
-
-<file path=ppt/notesSlides/notesSlide9.xml><?xml version="1.0" encoding="utf-8"?>
-<p:notes xmlns:a="http://schemas.openxmlformats.org/drawingml/2006/main" xmlns:r="http://schemas.openxmlformats.org/officeDocument/2006/relationships" xmlns:p="http://schemas.openxmlformats.org/presentationml/2006/main" showMasterSp="0" showMasterPhAnim="0">
-  <p:cSld>
-    <p:spTree>
-      <p:nvGrpSpPr>
-        <p:cNvPr id="1" name="Shape 140"/>
-        <p:cNvGrpSpPr/>
-        <p:nvPr/>
-      </p:nvGrpSpPr>
-      <p:grpSpPr>
-        <a:xfrm>
-          <a:off x="0" y="0"/>
-          <a:ext cx="0" cy="0"/>
-          <a:chOff x="0" y="0"/>
-          <a:chExt cx="0" cy="0"/>
-        </a:xfrm>
-      </p:grpSpPr>
-      <p:sp>
-        <p:nvSpPr>
-          <p:cNvPr id="141" name="Google Shape;141;p10:notes"/>
-          <p:cNvSpPr txBox="1">
-            <a:spLocks noGrp="1"/>
-          </p:cNvSpPr>
-          <p:nvPr>
-            <p:ph type="body" idx="1"/>
-          </p:nvPr>
-        </p:nvSpPr>
-        <p:spPr>
-          <a:xfrm>
-            <a:off x="685800" y="4343400"/>
-            <a:ext cx="5486400" cy="4114800"/>
-          </a:xfrm>
-          <a:prstGeom prst="rect">
-            <a:avLst/>
-          </a:prstGeom>
-        </p:spPr>
-        <p:txBody>
-          <a:bodyPr spcFirstLastPara="1" wrap="square" lIns="91425" tIns="91425" rIns="91425" bIns="91425" anchor="t" anchorCtr="0">
-            <a:noAutofit/>
-          </a:bodyPr>
-          <a:lstStyle/>
-          <a:p>
-            <a:pPr marL="0" lvl="0" indent="0" algn="l" rtl="0">
-              <a:spcBef>
-                <a:spcPts val="0"/>
-              </a:spcBef>
-              <a:spcAft>
-                <a:spcPts val="0"/>
-              </a:spcAft>
-              <a:buNone/>
-            </a:pPr>
-            <a:endParaRPr/>
-          </a:p>
-        </p:txBody>
-      </p:sp>
-      <p:sp>
-        <p:nvSpPr>
-          <p:cNvPr id="142" name="Google Shape;142;p10:notes"/>
-          <p:cNvSpPr>
-            <a:spLocks noGrp="1" noRot="1" noChangeAspect="1"/>
-          </p:cNvSpPr>
-          <p:nvPr>
-            <p:ph type="sldImg" idx="2"/>
-          </p:nvPr>
-        </p:nvSpPr>
-        <p:spPr>
-          <a:xfrm>
-            <a:off x="381000" y="685800"/>
-            <a:ext cx="6096000" cy="3429000"/>
-          </a:xfrm>
-          <a:custGeom>
-            <a:avLst/>
-            <a:gdLst/>
-            <a:ahLst/>
-            <a:cxnLst/>
-            <a:rect l="l" t="t" r="r" b="b"/>
-            <a:pathLst>
-              <a:path w="120000" h="120000" extrusionOk="0">
-                <a:moveTo>
-                  <a:pt x="0" y="0"/>
-                </a:moveTo>
-                <a:lnTo>
-                  <a:pt x="120000" y="0"/>
-                </a:lnTo>
-                <a:lnTo>
-                  <a:pt x="120000" y="120000"/>
-                </a:lnTo>
-                <a:lnTo>
-                  <a:pt x="0" y="120000"/>
-                </a:lnTo>
-                <a:close/>
-              </a:path>
-            </a:pathLst>
-          </a:custGeom>
-        </p:spPr>
-      </p:sp>
-    </p:spTree>
-    <p:extLst>
-      <p:ext uri="{BB962C8B-B14F-4D97-AF65-F5344CB8AC3E}">
-        <p14:creationId xmlns:p14="http://schemas.microsoft.com/office/powerpoint/2010/main" val="2812431322"/>
       </p:ext>
     </p:extLst>
   </p:cSld>
@@ -15901,7 +16047,7 @@
                 <a:cs typeface="Verdana"/>
                 <a:sym typeface="Verdana"/>
               </a:rPr>
-              <a:t>Dr./Mr./Ms./Prof.</a:t>
+              <a:t>Mr. Ramamurthy Ketha</a:t>
             </a:r>
             <a:endParaRPr dirty="0">
               <a:latin typeface="Cambria" panose="02040503050406030204" pitchFamily="18" charset="0"/>
@@ -15933,7 +16079,7 @@
                 <a:cs typeface="Verdana"/>
                 <a:sym typeface="Verdana"/>
               </a:rPr>
-              <a:t>Professor / Associate Professor / Assistant Professor</a:t>
+              <a:t>Associate Professor (ECE Department)</a:t>
             </a:r>
             <a:endParaRPr dirty="0">
               <a:latin typeface="Cambria" panose="02040503050406030204" pitchFamily="18" charset="0"/>
@@ -17030,7 +17176,7 @@
                 <a:cs typeface="Verdana"/>
                 <a:sym typeface="Verdana"/>
               </a:rPr>
-              <a:t>Review-2</a:t>
+              <a:t>Review-3</a:t>
             </a:r>
             <a:endParaRPr sz="1800" b="1" i="0" u="none" strike="noStrike" cap="none" dirty="0">
               <a:solidFill>
@@ -17296,6 +17442,619 @@
   <p:cSld>
     <p:spTree>
       <p:nvGrpSpPr>
+        <p:cNvPr id="1" name=""/>
+        <p:cNvGrpSpPr/>
+        <p:nvPr/>
+      </p:nvGrpSpPr>
+      <p:grpSpPr>
+        <a:xfrm>
+          <a:off x="0" y="0"/>
+          <a:ext cx="0" cy="0"/>
+          <a:chOff x="0" y="0"/>
+          <a:chExt cx="0" cy="0"/>
+        </a:xfrm>
+      </p:grpSpPr>
+      <p:sp>
+        <p:nvSpPr>
+          <p:cNvPr id="2" name="Title 1">
+            <a:extLst>
+              <a:ext uri="{FF2B5EF4-FFF2-40B4-BE49-F238E27FC236}">
+                <a16:creationId xmlns:a16="http://schemas.microsoft.com/office/drawing/2014/main" id="{CF07620E-A3A3-90FF-998A-706CC9A51C3B}"/>
+              </a:ext>
+            </a:extLst>
+          </p:cNvPr>
+          <p:cNvSpPr>
+            <a:spLocks noGrp="1"/>
+          </p:cNvSpPr>
+          <p:nvPr>
+            <p:ph type="title"/>
+          </p:nvPr>
+        </p:nvSpPr>
+        <p:spPr/>
+        <p:txBody>
+          <a:bodyPr/>
+          <a:lstStyle/>
+          <a:p>
+            <a:r>
+              <a:rPr lang="en-IN" dirty="0">
+                <a:latin typeface="Cambria" panose="02040503050406030204" pitchFamily="18" charset="0"/>
+                <a:ea typeface="Cambria" panose="02040503050406030204" pitchFamily="18" charset="0"/>
+              </a:rPr>
+              <a:t>Implemented Pages (</a:t>
+            </a:r>
+            <a:r>
+              <a:rPr lang="en-IN" dirty="0" err="1">
+                <a:latin typeface="Cambria" panose="02040503050406030204" pitchFamily="18" charset="0"/>
+                <a:ea typeface="Cambria" panose="02040503050406030204" pitchFamily="18" charset="0"/>
+              </a:rPr>
+              <a:t>Cont</a:t>
+            </a:r>
+            <a:r>
+              <a:rPr lang="en-IN" dirty="0">
+                <a:latin typeface="Cambria" panose="02040503050406030204" pitchFamily="18" charset="0"/>
+                <a:ea typeface="Cambria" panose="02040503050406030204" pitchFamily="18" charset="0"/>
+              </a:rPr>
+              <a:t>….)</a:t>
+            </a:r>
+            <a:endParaRPr lang="en-IN" dirty="0"/>
+          </a:p>
+        </p:txBody>
+      </p:sp>
+      <p:sp>
+        <p:nvSpPr>
+          <p:cNvPr id="4" name="Rectangle 1">
+            <a:extLst>
+              <a:ext uri="{FF2B5EF4-FFF2-40B4-BE49-F238E27FC236}">
+                <a16:creationId xmlns:a16="http://schemas.microsoft.com/office/drawing/2014/main" id="{B19FFD8C-5D88-9006-6804-4172B0F30AC6}"/>
+              </a:ext>
+            </a:extLst>
+          </p:cNvPr>
+          <p:cNvSpPr>
+            <a:spLocks noGrp="1" noChangeArrowheads="1"/>
+          </p:cNvSpPr>
+          <p:nvPr>
+            <p:ph type="body" idx="1"/>
+          </p:nvPr>
+        </p:nvSpPr>
+        <p:spPr bwMode="auto">
+          <a:xfrm>
+            <a:off x="629920" y="1368946"/>
+            <a:ext cx="10362132" cy="3385542"/>
+          </a:xfrm>
+          <a:prstGeom prst="rect">
+            <a:avLst/>
+          </a:prstGeom>
+          <a:noFill/>
+          <a:ln>
+            <a:noFill/>
+          </a:ln>
+          <a:effectLst/>
+          <a:extLst>
+            <a:ext uri="{909E8E84-426E-40DD-AFC4-6F175D3DCCD1}">
+              <a14:hiddenFill xmlns:a14="http://schemas.microsoft.com/office/drawing/2010/main">
+                <a:solidFill>
+                  <a:schemeClr val="accent1"/>
+                </a:solidFill>
+              </a14:hiddenFill>
+            </a:ext>
+            <a:ext uri="{91240B29-F687-4F45-9708-019B960494DF}">
+              <a14:hiddenLine xmlns:a14="http://schemas.microsoft.com/office/drawing/2010/main" w="9525">
+                <a:solidFill>
+                  <a:schemeClr val="tx1"/>
+                </a:solidFill>
+                <a:miter lim="800000"/>
+                <a:headEnd/>
+                <a:tailEnd/>
+              </a14:hiddenLine>
+            </a:ext>
+            <a:ext uri="{AF507438-7753-43E0-B8FC-AC1667EBCBE1}">
+              <a14:hiddenEffects xmlns:a14="http://schemas.microsoft.com/office/drawing/2010/main">
+                <a:effectLst>
+                  <a:outerShdw dist="35921" dir="2700000" algn="ctr" rotWithShape="0">
+                    <a:schemeClr val="bg2"/>
+                  </a:outerShdw>
+                </a:effectLst>
+              </a14:hiddenEffects>
+            </a:ext>
+          </a:extLst>
+        </p:spPr>
+        <p:txBody>
+          <a:bodyPr vert="horz" wrap="none" lIns="91440" tIns="45720" rIns="91440" bIns="45720" numCol="1" anchor="ctr" anchorCtr="0" compatLnSpc="1">
+            <a:prstTxWarp prst="textNoShape">
+              <a:avLst/>
+            </a:prstTxWarp>
+            <a:spAutoFit/>
+          </a:bodyPr>
+          <a:lstStyle/>
+          <a:p>
+            <a:pPr marL="342900" marR="0" lvl="0" indent="-342900" algn="l" defTabSz="914400" rtl="0" eaLnBrk="0" fontAlgn="base" latinLnBrk="0" hangingPunct="0">
+              <a:lnSpc>
+                <a:spcPct val="100000"/>
+              </a:lnSpc>
+              <a:spcBef>
+                <a:spcPct val="0"/>
+              </a:spcBef>
+              <a:spcAft>
+                <a:spcPct val="0"/>
+              </a:spcAft>
+              <a:buClrTx/>
+              <a:buSzTx/>
+              <a:buFont typeface="Arial" panose="020B0604020202020204" pitchFamily="34" charset="0"/>
+              <a:buChar char="•"/>
+              <a:tabLst/>
+            </a:pPr>
+            <a:r>
+              <a:rPr kumimoji="0" lang="en-US" altLang="en-US" b="1" i="0" u="none" strike="noStrike" cap="none" normalizeH="0" baseline="0" dirty="0">
+                <a:ln>
+                  <a:noFill/>
+                </a:ln>
+                <a:solidFill>
+                  <a:schemeClr val="tx1"/>
+                </a:solidFill>
+                <a:effectLst/>
+                <a:latin typeface="Arial" panose="020B0604020202020204" pitchFamily="34" charset="0"/>
+              </a:rPr>
+              <a:t>Emission Report Page</a:t>
+            </a:r>
+            <a:endParaRPr kumimoji="0" lang="en-US" altLang="en-US" b="0" i="0" u="none" strike="noStrike" cap="none" normalizeH="0" baseline="0" dirty="0">
+              <a:ln>
+                <a:noFill/>
+              </a:ln>
+              <a:solidFill>
+                <a:schemeClr val="tx1"/>
+              </a:solidFill>
+              <a:effectLst/>
+              <a:latin typeface="Arial" panose="020B0604020202020204" pitchFamily="34" charset="0"/>
+            </a:endParaRPr>
+          </a:p>
+          <a:p>
+            <a:pPr marL="800100" lvl="1" indent="-342900" eaLnBrk="0" fontAlgn="base" hangingPunct="0">
+              <a:spcBef>
+                <a:spcPct val="0"/>
+              </a:spcBef>
+              <a:spcAft>
+                <a:spcPct val="0"/>
+              </a:spcAft>
+              <a:buClrTx/>
+              <a:buSzTx/>
+              <a:buFont typeface="Wingdings" panose="05000000000000000000" pitchFamily="2" charset="2"/>
+              <a:buChar char="Ø"/>
+            </a:pPr>
+            <a:r>
+              <a:rPr kumimoji="0" lang="en-US" altLang="en-US" b="0" i="0" u="none" strike="noStrike" cap="none" normalizeH="0" baseline="0" dirty="0">
+                <a:ln>
+                  <a:noFill/>
+                </a:ln>
+                <a:solidFill>
+                  <a:schemeClr val="tx1"/>
+                </a:solidFill>
+                <a:effectLst/>
+                <a:latin typeface="Arial" panose="020B0604020202020204" pitchFamily="34" charset="0"/>
+              </a:rPr>
+              <a:t>Displays </a:t>
+            </a:r>
+            <a:r>
+              <a:rPr kumimoji="0" lang="en-US" altLang="en-US" b="1" i="0" u="none" strike="noStrike" cap="none" normalizeH="0" baseline="0" dirty="0">
+                <a:ln>
+                  <a:noFill/>
+                </a:ln>
+                <a:solidFill>
+                  <a:schemeClr val="tx1"/>
+                </a:solidFill>
+                <a:effectLst/>
+                <a:latin typeface="Arial" panose="020B0604020202020204" pitchFamily="34" charset="0"/>
+              </a:rPr>
+              <a:t>calculated carbon emissions</a:t>
+            </a:r>
+            <a:r>
+              <a:rPr kumimoji="0" lang="en-US" altLang="en-US" b="0" i="0" u="none" strike="noStrike" cap="none" normalizeH="0" baseline="0" dirty="0">
+                <a:ln>
+                  <a:noFill/>
+                </a:ln>
+                <a:solidFill>
+                  <a:schemeClr val="tx1"/>
+                </a:solidFill>
+                <a:effectLst/>
+                <a:latin typeface="Arial" panose="020B0604020202020204" pitchFamily="34" charset="0"/>
+              </a:rPr>
+              <a:t> from entered data.</a:t>
+            </a:r>
+          </a:p>
+          <a:p>
+            <a:pPr marL="800100" lvl="1" indent="-342900" eaLnBrk="0" fontAlgn="base" hangingPunct="0">
+              <a:spcBef>
+                <a:spcPct val="0"/>
+              </a:spcBef>
+              <a:spcAft>
+                <a:spcPct val="0"/>
+              </a:spcAft>
+              <a:buClrTx/>
+              <a:buSzTx/>
+              <a:buFont typeface="Wingdings" panose="05000000000000000000" pitchFamily="2" charset="2"/>
+              <a:buChar char="Ø"/>
+            </a:pPr>
+            <a:r>
+              <a:rPr kumimoji="0" lang="en-US" altLang="en-US" b="0" i="0" u="none" strike="noStrike" cap="none" normalizeH="0" baseline="0" dirty="0">
+                <a:ln>
+                  <a:noFill/>
+                </a:ln>
+                <a:solidFill>
+                  <a:schemeClr val="tx1"/>
+                </a:solidFill>
+                <a:effectLst/>
+                <a:latin typeface="Arial" panose="020B0604020202020204" pitchFamily="34" charset="0"/>
+              </a:rPr>
+              <a:t>Uses charts/graphs for </a:t>
+            </a:r>
+            <a:r>
+              <a:rPr kumimoji="0" lang="en-US" altLang="en-US" b="1" i="0" u="none" strike="noStrike" cap="none" normalizeH="0" baseline="0" dirty="0">
+                <a:ln>
+                  <a:noFill/>
+                </a:ln>
+                <a:solidFill>
+                  <a:schemeClr val="tx1"/>
+                </a:solidFill>
+                <a:effectLst/>
+                <a:latin typeface="Arial" panose="020B0604020202020204" pitchFamily="34" charset="0"/>
+              </a:rPr>
+              <a:t>clear visualization of emission sources</a:t>
+            </a:r>
+            <a:r>
+              <a:rPr kumimoji="0" lang="en-US" altLang="en-US" b="0" i="0" u="none" strike="noStrike" cap="none" normalizeH="0" baseline="0" dirty="0">
+                <a:ln>
+                  <a:noFill/>
+                </a:ln>
+                <a:solidFill>
+                  <a:schemeClr val="tx1"/>
+                </a:solidFill>
+                <a:effectLst/>
+                <a:latin typeface="Arial" panose="020B0604020202020204" pitchFamily="34" charset="0"/>
+              </a:rPr>
+              <a:t>.</a:t>
+            </a:r>
+          </a:p>
+          <a:p>
+            <a:pPr marL="342900" marR="0" lvl="0" indent="-342900" algn="l" defTabSz="914400" rtl="0" eaLnBrk="0" fontAlgn="base" latinLnBrk="0" hangingPunct="0">
+              <a:lnSpc>
+                <a:spcPct val="100000"/>
+              </a:lnSpc>
+              <a:spcBef>
+                <a:spcPct val="0"/>
+              </a:spcBef>
+              <a:spcAft>
+                <a:spcPct val="0"/>
+              </a:spcAft>
+              <a:buClrTx/>
+              <a:buSzTx/>
+              <a:buFont typeface="Arial" panose="020B0604020202020204" pitchFamily="34" charset="0"/>
+              <a:buChar char="•"/>
+              <a:tabLst/>
+            </a:pPr>
+            <a:r>
+              <a:rPr kumimoji="0" lang="en-US" altLang="en-US" b="1" i="0" u="none" strike="noStrike" cap="none" normalizeH="0" baseline="0" dirty="0">
+                <a:ln>
+                  <a:noFill/>
+                </a:ln>
+                <a:solidFill>
+                  <a:schemeClr val="tx1"/>
+                </a:solidFill>
+                <a:effectLst/>
+                <a:latin typeface="Arial" panose="020B0604020202020204" pitchFamily="34" charset="0"/>
+              </a:rPr>
+              <a:t>Sink Analysis Page</a:t>
+            </a:r>
+            <a:endParaRPr kumimoji="0" lang="en-US" altLang="en-US" b="0" i="0" u="none" strike="noStrike" cap="none" normalizeH="0" baseline="0" dirty="0">
+              <a:ln>
+                <a:noFill/>
+              </a:ln>
+              <a:solidFill>
+                <a:schemeClr val="tx1"/>
+              </a:solidFill>
+              <a:effectLst/>
+              <a:latin typeface="Arial" panose="020B0604020202020204" pitchFamily="34" charset="0"/>
+            </a:endParaRPr>
+          </a:p>
+          <a:p>
+            <a:pPr marL="800100" lvl="1" indent="-342900" eaLnBrk="0" fontAlgn="base" hangingPunct="0">
+              <a:spcBef>
+                <a:spcPct val="0"/>
+              </a:spcBef>
+              <a:spcAft>
+                <a:spcPct val="0"/>
+              </a:spcAft>
+              <a:buClrTx/>
+              <a:buSzTx/>
+              <a:buFont typeface="Wingdings" panose="05000000000000000000" pitchFamily="2" charset="2"/>
+              <a:buChar char="Ø"/>
+            </a:pPr>
+            <a:r>
+              <a:rPr kumimoji="0" lang="en-US" altLang="en-US" b="0" i="0" u="none" strike="noStrike" cap="none" normalizeH="0" baseline="0" dirty="0">
+                <a:ln>
+                  <a:noFill/>
+                </a:ln>
+                <a:solidFill>
+                  <a:schemeClr val="tx1"/>
+                </a:solidFill>
+                <a:effectLst/>
+                <a:latin typeface="Arial" panose="020B0604020202020204" pitchFamily="34" charset="0"/>
+              </a:rPr>
+              <a:t>Shows </a:t>
+            </a:r>
+            <a:r>
+              <a:rPr kumimoji="0" lang="en-US" altLang="en-US" b="1" i="0" u="none" strike="noStrike" cap="none" normalizeH="0" baseline="0" dirty="0">
+                <a:ln>
+                  <a:noFill/>
+                </a:ln>
+                <a:solidFill>
+                  <a:schemeClr val="tx1"/>
+                </a:solidFill>
+                <a:effectLst/>
+                <a:latin typeface="Arial" panose="020B0604020202020204" pitchFamily="34" charset="0"/>
+              </a:rPr>
+              <a:t>tree cover, carbon absorption potential, and afforestation scope</a:t>
+            </a:r>
+            <a:r>
+              <a:rPr kumimoji="0" lang="en-US" altLang="en-US" b="0" i="0" u="none" strike="noStrike" cap="none" normalizeH="0" baseline="0" dirty="0">
+                <a:ln>
+                  <a:noFill/>
+                </a:ln>
+                <a:solidFill>
+                  <a:schemeClr val="tx1"/>
+                </a:solidFill>
+                <a:effectLst/>
+                <a:latin typeface="Arial" panose="020B0604020202020204" pitchFamily="34" charset="0"/>
+              </a:rPr>
+              <a:t>.</a:t>
+            </a:r>
+          </a:p>
+          <a:p>
+            <a:pPr marL="800100" lvl="1" indent="-342900" eaLnBrk="0" fontAlgn="base" hangingPunct="0">
+              <a:spcBef>
+                <a:spcPct val="0"/>
+              </a:spcBef>
+              <a:spcAft>
+                <a:spcPct val="0"/>
+              </a:spcAft>
+              <a:buClrTx/>
+              <a:buSzTx/>
+              <a:buFont typeface="Wingdings" panose="05000000000000000000" pitchFamily="2" charset="2"/>
+              <a:buChar char="Ø"/>
+            </a:pPr>
+            <a:r>
+              <a:rPr kumimoji="0" lang="en-US" altLang="en-US" b="0" i="0" u="none" strike="noStrike" cap="none" normalizeH="0" baseline="0" dirty="0">
+                <a:ln>
+                  <a:noFill/>
+                </a:ln>
+                <a:solidFill>
+                  <a:schemeClr val="tx1"/>
+                </a:solidFill>
+                <a:effectLst/>
+                <a:latin typeface="Arial" panose="020B0604020202020204" pitchFamily="34" charset="0"/>
+              </a:rPr>
+              <a:t>Provides comparative analysis between </a:t>
+            </a:r>
+            <a:r>
+              <a:rPr kumimoji="0" lang="en-US" altLang="en-US" b="1" i="0" u="none" strike="noStrike" cap="none" normalizeH="0" baseline="0" dirty="0">
+                <a:ln>
+                  <a:noFill/>
+                </a:ln>
+                <a:solidFill>
+                  <a:schemeClr val="tx1"/>
+                </a:solidFill>
+                <a:effectLst/>
+                <a:latin typeface="Arial" panose="020B0604020202020204" pitchFamily="34" charset="0"/>
+              </a:rPr>
+              <a:t>emissions vs absorption</a:t>
+            </a:r>
+            <a:r>
+              <a:rPr kumimoji="0" lang="en-US" altLang="en-US" b="0" i="0" u="none" strike="noStrike" cap="none" normalizeH="0" baseline="0" dirty="0">
+                <a:ln>
+                  <a:noFill/>
+                </a:ln>
+                <a:solidFill>
+                  <a:schemeClr val="tx1"/>
+                </a:solidFill>
+                <a:effectLst/>
+                <a:latin typeface="Arial" panose="020B0604020202020204" pitchFamily="34" charset="0"/>
+              </a:rPr>
+              <a:t>.</a:t>
+            </a:r>
+          </a:p>
+          <a:p>
+            <a:pPr marL="342900" marR="0" lvl="0" indent="-342900" algn="l" defTabSz="914400" rtl="0" eaLnBrk="0" fontAlgn="base" latinLnBrk="0" hangingPunct="0">
+              <a:lnSpc>
+                <a:spcPct val="100000"/>
+              </a:lnSpc>
+              <a:spcBef>
+                <a:spcPct val="0"/>
+              </a:spcBef>
+              <a:spcAft>
+                <a:spcPct val="0"/>
+              </a:spcAft>
+              <a:buClrTx/>
+              <a:buSzTx/>
+              <a:buFont typeface="Arial" panose="020B0604020202020204" pitchFamily="34" charset="0"/>
+              <a:buChar char="•"/>
+              <a:tabLst/>
+            </a:pPr>
+            <a:r>
+              <a:rPr kumimoji="0" lang="en-US" altLang="en-US" b="1" i="0" u="none" strike="noStrike" cap="none" normalizeH="0" baseline="0" dirty="0">
+                <a:ln>
+                  <a:noFill/>
+                </a:ln>
+                <a:solidFill>
+                  <a:schemeClr val="tx1"/>
+                </a:solidFill>
+                <a:effectLst/>
+                <a:latin typeface="Arial" panose="020B0604020202020204" pitchFamily="34" charset="0"/>
+              </a:rPr>
+              <a:t>Recommendations Page</a:t>
+            </a:r>
+            <a:endParaRPr kumimoji="0" lang="en-US" altLang="en-US" b="0" i="0" u="none" strike="noStrike" cap="none" normalizeH="0" baseline="0" dirty="0">
+              <a:ln>
+                <a:noFill/>
+              </a:ln>
+              <a:solidFill>
+                <a:schemeClr val="tx1"/>
+              </a:solidFill>
+              <a:effectLst/>
+              <a:latin typeface="Arial" panose="020B0604020202020204" pitchFamily="34" charset="0"/>
+            </a:endParaRPr>
+          </a:p>
+          <a:p>
+            <a:pPr marL="800100" lvl="1" indent="-342900" eaLnBrk="0" fontAlgn="base" hangingPunct="0">
+              <a:spcBef>
+                <a:spcPct val="0"/>
+              </a:spcBef>
+              <a:spcAft>
+                <a:spcPct val="0"/>
+              </a:spcAft>
+              <a:buClrTx/>
+              <a:buSzTx/>
+              <a:buFont typeface="Wingdings" panose="05000000000000000000" pitchFamily="2" charset="2"/>
+              <a:buChar char="Ø"/>
+            </a:pPr>
+            <a:r>
+              <a:rPr kumimoji="0" lang="en-US" altLang="en-US" b="0" i="0" u="none" strike="noStrike" cap="none" normalizeH="0" baseline="0" dirty="0">
+                <a:ln>
+                  <a:noFill/>
+                </a:ln>
+                <a:solidFill>
+                  <a:schemeClr val="tx1"/>
+                </a:solidFill>
+                <a:effectLst/>
+                <a:latin typeface="Arial" panose="020B0604020202020204" pitchFamily="34" charset="0"/>
+              </a:rPr>
+              <a:t>Displays </a:t>
+            </a:r>
+            <a:r>
+              <a:rPr kumimoji="0" lang="en-US" altLang="en-US" b="1" i="0" u="none" strike="noStrike" cap="none" normalizeH="0" baseline="0" dirty="0">
+                <a:ln>
+                  <a:noFill/>
+                </a:ln>
+                <a:solidFill>
+                  <a:schemeClr val="tx1"/>
+                </a:solidFill>
+                <a:effectLst/>
+                <a:latin typeface="Arial" panose="020B0604020202020204" pitchFamily="34" charset="0"/>
+              </a:rPr>
+              <a:t>AI-driven recommendations</a:t>
+            </a:r>
+            <a:r>
+              <a:rPr kumimoji="0" lang="en-US" altLang="en-US" b="0" i="0" u="none" strike="noStrike" cap="none" normalizeH="0" baseline="0" dirty="0">
+                <a:ln>
+                  <a:noFill/>
+                </a:ln>
+                <a:solidFill>
+                  <a:schemeClr val="tx1"/>
+                </a:solidFill>
+                <a:effectLst/>
+                <a:latin typeface="Arial" panose="020B0604020202020204" pitchFamily="34" charset="0"/>
+              </a:rPr>
+              <a:t> (afforestation, reclamation, carbon credits).</a:t>
+            </a:r>
+          </a:p>
+          <a:p>
+            <a:pPr marL="800100" lvl="1" indent="-342900" eaLnBrk="0" fontAlgn="base" hangingPunct="0">
+              <a:spcBef>
+                <a:spcPct val="0"/>
+              </a:spcBef>
+              <a:spcAft>
+                <a:spcPct val="0"/>
+              </a:spcAft>
+              <a:buClrTx/>
+              <a:buSzTx/>
+              <a:buFont typeface="Wingdings" panose="05000000000000000000" pitchFamily="2" charset="2"/>
+              <a:buChar char="Ø"/>
+            </a:pPr>
+            <a:r>
+              <a:rPr kumimoji="0" lang="en-US" altLang="en-US" b="0" i="0" u="none" strike="noStrike" cap="none" normalizeH="0" baseline="0" dirty="0">
+                <a:ln>
+                  <a:noFill/>
+                </a:ln>
+                <a:solidFill>
+                  <a:schemeClr val="tx1"/>
+                </a:solidFill>
+                <a:effectLst/>
+                <a:latin typeface="Arial" panose="020B0604020202020204" pitchFamily="34" charset="0"/>
+              </a:rPr>
+              <a:t>Shown in visually appealing </a:t>
+            </a:r>
+            <a:r>
+              <a:rPr kumimoji="0" lang="en-US" altLang="en-US" b="1" i="0" u="none" strike="noStrike" cap="none" normalizeH="0" baseline="0" dirty="0">
+                <a:ln>
+                  <a:noFill/>
+                </a:ln>
+                <a:solidFill>
+                  <a:schemeClr val="tx1"/>
+                </a:solidFill>
+                <a:effectLst/>
+                <a:latin typeface="Arial" panose="020B0604020202020204" pitchFamily="34" charset="0"/>
+              </a:rPr>
+              <a:t>cards with icons &amp; descriptions</a:t>
+            </a:r>
+            <a:r>
+              <a:rPr kumimoji="0" lang="en-US" altLang="en-US" b="0" i="0" u="none" strike="noStrike" cap="none" normalizeH="0" baseline="0" dirty="0">
+                <a:ln>
+                  <a:noFill/>
+                </a:ln>
+                <a:solidFill>
+                  <a:schemeClr val="tx1"/>
+                </a:solidFill>
+                <a:effectLst/>
+                <a:latin typeface="Arial" panose="020B0604020202020204" pitchFamily="34" charset="0"/>
+              </a:rPr>
+              <a:t>.</a:t>
+            </a:r>
+          </a:p>
+          <a:p>
+            <a:pPr marL="285750" marR="0" lvl="0" indent="-285750" algn="l" defTabSz="914400" rtl="0" eaLnBrk="0" fontAlgn="base" latinLnBrk="0" hangingPunct="0">
+              <a:lnSpc>
+                <a:spcPct val="100000"/>
+              </a:lnSpc>
+              <a:spcBef>
+                <a:spcPct val="0"/>
+              </a:spcBef>
+              <a:spcAft>
+                <a:spcPct val="0"/>
+              </a:spcAft>
+              <a:buClrTx/>
+              <a:buSzTx/>
+              <a:buFont typeface="Arial" panose="020B0604020202020204" pitchFamily="34" charset="0"/>
+              <a:buChar char="•"/>
+              <a:tabLst/>
+            </a:pPr>
+            <a:endParaRPr kumimoji="0" lang="en-US" altLang="en-US" sz="1800" b="0" i="0" u="none" strike="noStrike" cap="none" normalizeH="0" baseline="0" dirty="0">
+              <a:ln>
+                <a:noFill/>
+              </a:ln>
+              <a:solidFill>
+                <a:schemeClr val="tx1"/>
+              </a:solidFill>
+              <a:effectLst/>
+              <a:latin typeface="Arial" panose="020B0604020202020204" pitchFamily="34" charset="0"/>
+            </a:endParaRPr>
+          </a:p>
+        </p:txBody>
+      </p:sp>
+    </p:spTree>
+    <p:extLst>
+      <p:ext uri="{BB962C8B-B14F-4D97-AF65-F5344CB8AC3E}">
+        <p14:creationId xmlns:p14="http://schemas.microsoft.com/office/powerpoint/2010/main" val="1271809911"/>
+      </p:ext>
+    </p:extLst>
+  </p:cSld>
+  <p:clrMapOvr>
+    <a:masterClrMapping/>
+  </p:clrMapOvr>
+</p:sld>
+</file>
+
+<file path=ppt/slides/slide11.xml><?xml version="1.0" encoding="utf-8"?>
+<p:sld xmlns:a="http://schemas.openxmlformats.org/drawingml/2006/main" xmlns:r="http://schemas.openxmlformats.org/officeDocument/2006/relationships" xmlns:p="http://schemas.openxmlformats.org/presentationml/2006/main">
+  <p:cSld>
+    <p:spTree>
+      <p:nvGrpSpPr>
         <p:cNvPr id="1" name="Shape 143"/>
         <p:cNvGrpSpPr/>
         <p:nvPr/>
@@ -17509,7 +18268,7 @@
 </p:sld>
 </file>
 
-<file path=ppt/slides/slide11.xml><?xml version="1.0" encoding="utf-8"?>
+<file path=ppt/slides/slide12.xml><?xml version="1.0" encoding="utf-8"?>
 <p:sld xmlns:a="http://schemas.openxmlformats.org/drawingml/2006/main" xmlns:r="http://schemas.openxmlformats.org/officeDocument/2006/relationships" xmlns:p="http://schemas.openxmlformats.org/presentationml/2006/main">
   <p:cSld>
     <p:spTree>
@@ -17577,7 +18336,7 @@
           <a:p>
             <a:r>
               <a:rPr lang="en-IN" dirty="0"/>
-              <a:t>Visit Website: </a:t>
+              <a:t>Visit Website: https://ema-govt.netlify.app/</a:t>
             </a:r>
           </a:p>
         </p:txBody>
@@ -17595,7 +18354,7 @@
 </p:sld>
 </file>
 
-<file path=ppt/slides/slide12.xml><?xml version="1.0" encoding="utf-8"?>
+<file path=ppt/slides/slide13.xml><?xml version="1.0" encoding="utf-8"?>
 <p:sld xmlns:a="http://schemas.openxmlformats.org/drawingml/2006/main" xmlns:r="http://schemas.openxmlformats.org/officeDocument/2006/relationships" xmlns:p="http://schemas.openxmlformats.org/presentationml/2006/main">
   <p:cSld>
     <p:spTree>
@@ -17981,7 +18740,7 @@
                 <a:latin typeface="Cambria" panose="02040503050406030204" pitchFamily="18" charset="0"/>
                 <a:ea typeface="Cambria" panose="02040503050406030204" pitchFamily="18" charset="0"/>
               </a:rPr>
-              <a:t>Frontend Development Tech Stack</a:t>
+              <a:t>Algorithm Details</a:t>
             </a:r>
           </a:p>
           <a:p>
@@ -18000,7 +18759,7 @@
                 <a:latin typeface="Cambria" panose="02040503050406030204" pitchFamily="18" charset="0"/>
                 <a:ea typeface="Cambria" panose="02040503050406030204" pitchFamily="18" charset="0"/>
               </a:rPr>
-              <a:t>Code File Structure</a:t>
+              <a:t>Source Code Details</a:t>
             </a:r>
           </a:p>
           <a:p>
@@ -19442,7 +20201,7 @@
           </a:bodyPr>
           <a:lstStyle/>
           <a:p>
-            <a:pPr marL="152400" lvl="0">
+            <a:pPr marL="152400" algn="just">
               <a:lnSpc>
                 <a:spcPct val="200000"/>
               </a:lnSpc>
@@ -19452,7 +20211,7 @@
                 <a:latin typeface="Cambria" panose="02040503050406030204" pitchFamily="18" charset="0"/>
                 <a:ea typeface="Cambria" panose="02040503050406030204" pitchFamily="18" charset="0"/>
               </a:rPr>
-              <a:t>Frontend Development Stack</a:t>
+              <a:t>Algorithm Implemented</a:t>
             </a:r>
           </a:p>
         </p:txBody>
@@ -19482,125 +20241,257 @@
         </p:spPr>
         <p:txBody>
           <a:bodyPr spcFirstLastPara="1" wrap="square" lIns="91425" tIns="45700" rIns="91425" bIns="45700" anchor="t" anchorCtr="0">
-            <a:normAutofit/>
+            <a:normAutofit fontScale="55000" lnSpcReduction="20000"/>
           </a:bodyPr>
           <a:lstStyle/>
           <a:p>
+            <a:pPr marL="76200" indent="0">
+              <a:buNone/>
+            </a:pPr>
             <a:r>
               <a:rPr lang="en-IN" b="1" dirty="0"/>
-              <a:t>Tech Stack (Frontend)</a:t>
+              <a:t>1. Data Input (User Entry)</a:t>
             </a:r>
           </a:p>
           <a:p>
-            <a:r>
-              <a:rPr lang="en-IN" b="1" dirty="0"/>
-              <a:t>React + Vite</a:t>
-            </a:r>
-            <a:endParaRPr lang="en-IN" dirty="0"/>
-          </a:p>
-          <a:p>
-            <a:pPr lvl="1"/>
             <a:r>
               <a:rPr lang="en-IN" dirty="0"/>
-              <a:t>React provides a </a:t>
+              <a:t>User selects an </a:t>
             </a:r>
             <a:r>
               <a:rPr lang="en-IN" b="1" dirty="0"/>
-              <a:t>component-based architecture</a:t>
+              <a:t>activity type</a:t>
             </a:r>
             <a:r>
               <a:rPr lang="en-IN" dirty="0"/>
-              <a:t> for building dynamic UIs.</a:t>
+              <a:t> from options:</a:t>
             </a:r>
           </a:p>
           <a:p>
-            <a:pPr lvl="1"/>
+            <a:pPr lvl="1">
+              <a:buFont typeface="Arial" panose="020B0604020202020204" pitchFamily="34" charset="0"/>
+              <a:buChar char="•"/>
+            </a:pPr>
             <a:r>
               <a:rPr lang="en-IN" dirty="0"/>
-              <a:t>Vite ensures </a:t>
+              <a:t>Diesel Combustion</a:t>
+            </a:r>
+          </a:p>
+          <a:p>
+            <a:pPr lvl="1">
+              <a:buFont typeface="Arial" panose="020B0604020202020204" pitchFamily="34" charset="0"/>
+              <a:buChar char="•"/>
+            </a:pPr>
+            <a:r>
+              <a:rPr lang="en-IN" dirty="0"/>
+              <a:t>Electricity Consumption</a:t>
+            </a:r>
+          </a:p>
+          <a:p>
+            <a:pPr lvl="1">
+              <a:buFont typeface="Arial" panose="020B0604020202020204" pitchFamily="34" charset="0"/>
+              <a:buChar char="•"/>
+            </a:pPr>
+            <a:r>
+              <a:rPr lang="en-IN" dirty="0"/>
+              <a:t>Explosives Usage</a:t>
+            </a:r>
+          </a:p>
+          <a:p>
+            <a:pPr lvl="1">
+              <a:buFont typeface="Arial" panose="020B0604020202020204" pitchFamily="34" charset="0"/>
+              <a:buChar char="•"/>
+            </a:pPr>
+            <a:r>
+              <a:rPr lang="en-IN" dirty="0"/>
+              <a:t>Transportation</a:t>
+            </a:r>
+          </a:p>
+          <a:p>
+            <a:pPr lvl="1">
+              <a:buFont typeface="Arial" panose="020B0604020202020204" pitchFamily="34" charset="0"/>
+              <a:buChar char="•"/>
+            </a:pPr>
+            <a:r>
+              <a:rPr lang="en-IN" dirty="0"/>
+              <a:t>Fugitive Methane</a:t>
+            </a:r>
+          </a:p>
+          <a:p>
+            <a:pPr lvl="1">
+              <a:buFont typeface="Arial" panose="020B0604020202020204" pitchFamily="34" charset="0"/>
+              <a:buChar char="•"/>
+            </a:pPr>
+            <a:r>
+              <a:rPr lang="en-IN" dirty="0"/>
+              <a:t>Coal Extraction</a:t>
+            </a:r>
+          </a:p>
+          <a:p>
+            <a:pPr lvl="1">
+              <a:buFont typeface="Arial" panose="020B0604020202020204" pitchFamily="34" charset="0"/>
+              <a:buChar char="•"/>
+            </a:pPr>
+            <a:r>
+              <a:rPr lang="en-IN" dirty="0"/>
+              <a:t>Land Disturbance / Deforestation</a:t>
+            </a:r>
+          </a:p>
+          <a:p>
+            <a:r>
+              <a:rPr lang="en-IN" dirty="0"/>
+              <a:t>User enters </a:t>
             </a:r>
             <a:r>
               <a:rPr lang="en-IN" b="1" dirty="0"/>
-              <a:t>fast development, hot reloading, and optimized builds</a:t>
+              <a:t>quantity/unit</a:t>
             </a:r>
             <a:r>
               <a:rPr lang="en-IN" dirty="0"/>
-              <a:t>.</a:t>
+              <a:t>, and additional parameters if needed:</a:t>
             </a:r>
           </a:p>
           <a:p>
+            <a:pPr lvl="1">
+              <a:buFont typeface="Arial" panose="020B0604020202020204" pitchFamily="34" charset="0"/>
+              <a:buChar char="•"/>
+            </a:pPr>
+            <a:r>
+              <a:rPr lang="en-IN" dirty="0"/>
+              <a:t>Fuel type (Diesel, Petrol, Coal, Natural Gas)</a:t>
+            </a:r>
+          </a:p>
+          <a:p>
+            <a:pPr lvl="1">
+              <a:buFont typeface="Arial" panose="020B0604020202020204" pitchFamily="34" charset="0"/>
+              <a:buChar char="•"/>
+            </a:pPr>
+            <a:r>
+              <a:rPr lang="en-IN" dirty="0"/>
+              <a:t>Transport mode (Truck, Rail, Ship, Air)</a:t>
+            </a:r>
+          </a:p>
+          <a:p>
+            <a:pPr lvl="1">
+              <a:buFont typeface="Arial" panose="020B0604020202020204" pitchFamily="34" charset="0"/>
+              <a:buChar char="•"/>
+            </a:pPr>
+            <a:r>
+              <a:rPr lang="en-IN" dirty="0"/>
+              <a:t>Distance (for transportation)</a:t>
+            </a:r>
+          </a:p>
+          <a:p>
+            <a:pPr lvl="1">
+              <a:buFont typeface="Arial" panose="020B0604020202020204" pitchFamily="34" charset="0"/>
+              <a:buChar char="•"/>
+            </a:pPr>
+            <a:r>
+              <a:rPr lang="en-IN" dirty="0"/>
+              <a:t>Land area (for deforestation)</a:t>
+            </a:r>
+          </a:p>
+          <a:p>
+            <a:pPr lvl="1">
+              <a:buFont typeface="Arial" panose="020B0604020202020204" pitchFamily="34" charset="0"/>
+              <a:buChar char="•"/>
+            </a:pPr>
+            <a:r>
+              <a:rPr lang="en-IN" dirty="0"/>
+              <a:t>Methane volume (for fugitive methane)</a:t>
+            </a:r>
+          </a:p>
+          <a:p>
+            <a:pPr marL="76200" indent="0">
+              <a:buNone/>
+            </a:pPr>
             <a:r>
               <a:rPr lang="en-IN" b="1" dirty="0"/>
-              <a:t>Tailwind CSS</a:t>
+              <a:t>2. Calculate Emissions</a:t>
             </a:r>
-            <a:endParaRPr lang="en-IN" dirty="0"/>
-          </a:p>
-          <a:p>
-            <a:pPr lvl="1"/>
+          </a:p>
+          <a:p>
             <a:r>
               <a:rPr lang="en-IN" dirty="0"/>
-              <a:t>A </a:t>
+              <a:t>Based on the activity and inputs, </a:t>
             </a:r>
             <a:r>
               <a:rPr lang="en-IN" b="1" dirty="0"/>
-              <a:t>utility-first CSS framework</a:t>
+              <a:t>emissions are calculated using activity-specific emission factors (EFs)</a:t>
             </a:r>
             <a:r>
               <a:rPr lang="en-IN" dirty="0"/>
-              <a:t> for rapid and responsive styling.</a:t>
+              <a:t>:</a:t>
             </a:r>
           </a:p>
           <a:p>
-            <a:pPr lvl="1"/>
+            <a:pPr lvl="1">
+              <a:buFont typeface="Arial" panose="020B0604020202020204" pitchFamily="34" charset="0"/>
+              <a:buChar char="•"/>
+            </a:pPr>
             <a:r>
               <a:rPr lang="en-IN" dirty="0"/>
-              <a:t>Helps maintain a </a:t>
+              <a:t>Diesel Combustion: emissions = quantity × EF</a:t>
+            </a:r>
+          </a:p>
+          <a:p>
+            <a:pPr lvl="1">
+              <a:buFont typeface="Arial" panose="020B0604020202020204" pitchFamily="34" charset="0"/>
+              <a:buChar char="•"/>
+            </a:pPr>
+            <a:r>
+              <a:rPr lang="en-IN" dirty="0"/>
+              <a:t>Electricity: emissions = kWh × 0.82</a:t>
+            </a:r>
+          </a:p>
+          <a:p>
+            <a:pPr lvl="1">
+              <a:buFont typeface="Arial" panose="020B0604020202020204" pitchFamily="34" charset="0"/>
+              <a:buChar char="•"/>
+            </a:pPr>
+            <a:r>
+              <a:rPr lang="en-IN" dirty="0"/>
+              <a:t>Transportation: emissions = tons × distance × </a:t>
             </a:r>
             <a:r>
-              <a:rPr lang="en-IN" b="1" dirty="0"/>
-              <a:t>clean, consistent, and modern design</a:t>
+              <a:rPr lang="en-IN" dirty="0" err="1"/>
+              <a:t>modeEF</a:t>
             </a:r>
+            <a:endParaRPr lang="en-IN" dirty="0"/>
+          </a:p>
+          <a:p>
+            <a:pPr lvl="1">
+              <a:buFont typeface="Arial" panose="020B0604020202020204" pitchFamily="34" charset="0"/>
+              <a:buChar char="•"/>
+            </a:pPr>
             <a:r>
               <a:rPr lang="en-IN" dirty="0"/>
-              <a:t>.</a:t>
+              <a:t>Fugitive Methane: emissions = volume × 0.716 × GWP(28)</a:t>
             </a:r>
           </a:p>
           <a:p>
-            <a:r>
-              <a:rPr lang="en-IN" b="1" dirty="0"/>
-              <a:t>Chart.js</a:t>
-            </a:r>
-            <a:endParaRPr lang="en-IN" dirty="0"/>
-          </a:p>
-          <a:p>
-            <a:pPr lvl="1"/>
+            <a:pPr lvl="1">
+              <a:buFont typeface="Arial" panose="020B0604020202020204" pitchFamily="34" charset="0"/>
+              <a:buChar char="•"/>
+            </a:pPr>
             <a:r>
               <a:rPr lang="en-IN" dirty="0"/>
-              <a:t>A JavaScript library for creating </a:t>
+              <a:t>Deforestation: emissions = hectares × 300,000</a:t>
             </a:r>
-            <a:r>
-              <a:rPr lang="en-IN" b="1" dirty="0"/>
-              <a:t>interactive, responsive charts</a:t>
-            </a:r>
+          </a:p>
+          <a:p>
+            <a:pPr lvl="1">
+              <a:buFont typeface="Arial" panose="020B0604020202020204" pitchFamily="34" charset="0"/>
+              <a:buChar char="•"/>
+            </a:pPr>
             <a:r>
               <a:rPr lang="en-IN" dirty="0"/>
-              <a:t>.</a:t>
+              <a:t>Coal Extraction: emissions = quantity × 2.42</a:t>
             </a:r>
           </a:p>
           <a:p>
             <a:pPr lvl="1"/>
-            <a:r>
-              <a:rPr lang="en-IN" dirty="0"/>
-              <a:t>Used to </a:t>
-            </a:r>
-            <a:r>
-              <a:rPr lang="en-IN" b="1" dirty="0"/>
-              <a:t>visualize carbon data, emissions, and absorption trends</a:t>
-            </a:r>
-            <a:r>
-              <a:rPr lang="en-IN" dirty="0"/>
-              <a:t>.</a:t>
-            </a:r>
+            <a:endParaRPr lang="en-IN" dirty="0"/>
           </a:p>
           <a:p>
             <a:pPr marL="342900" lvl="0" indent="-190500" algn="just" rtl="0">
@@ -19644,7 +20535,13 @@
   <p:cSld>
     <p:spTree>
       <p:nvGrpSpPr>
-        <p:cNvPr id="1" name="Shape 113"/>
+        <p:cNvPr id="1" name="Shape 113">
+          <a:extLst>
+            <a:ext uri="{FF2B5EF4-FFF2-40B4-BE49-F238E27FC236}">
+              <a16:creationId xmlns:a16="http://schemas.microsoft.com/office/drawing/2014/main" id="{ECA343EE-F8BE-C1B8-0F3F-AEE7DAA5C477}"/>
+            </a:ext>
+          </a:extLst>
+        </p:cNvPr>
         <p:cNvGrpSpPr/>
         <p:nvPr/>
       </p:nvGrpSpPr>
@@ -19658,7 +20555,13 @@
       </p:grpSpPr>
       <p:sp>
         <p:nvSpPr>
-          <p:cNvPr id="114" name="Google Shape;114;p17"/>
+          <p:cNvPr id="114" name="Google Shape;114;p17">
+            <a:extLst>
+              <a:ext uri="{FF2B5EF4-FFF2-40B4-BE49-F238E27FC236}">
+                <a16:creationId xmlns:a16="http://schemas.microsoft.com/office/drawing/2014/main" id="{96840B95-5FAC-BE38-AF31-C07C0641DBA4}"/>
+              </a:ext>
+            </a:extLst>
+          </p:cNvPr>
           <p:cNvSpPr txBox="1">
             <a:spLocks noGrp="1"/>
           </p:cNvSpPr>
@@ -19695,14 +20598,20 @@
                 <a:latin typeface="Cambria" panose="02040503050406030204" pitchFamily="18" charset="0"/>
                 <a:ea typeface="Cambria" panose="02040503050406030204" pitchFamily="18" charset="0"/>
               </a:rPr>
-              <a:t>Code File Structure</a:t>
+              <a:t>Algorithm Implemented (Cont..)</a:t>
             </a:r>
           </a:p>
         </p:txBody>
       </p:sp>
       <p:sp>
         <p:nvSpPr>
-          <p:cNvPr id="115" name="Google Shape;115;p17"/>
+          <p:cNvPr id="115" name="Google Shape;115;p17">
+            <a:extLst>
+              <a:ext uri="{FF2B5EF4-FFF2-40B4-BE49-F238E27FC236}">
+                <a16:creationId xmlns:a16="http://schemas.microsoft.com/office/drawing/2014/main" id="{069E0B5A-C2FF-68B5-8051-03A655EAB0C6}"/>
+              </a:ext>
+            </a:extLst>
+          </p:cNvPr>
           <p:cNvSpPr txBox="1">
             <a:spLocks noGrp="1"/>
           </p:cNvSpPr>
@@ -19712,8 +20621,8 @@
         </p:nvSpPr>
         <p:spPr>
           <a:xfrm>
-            <a:off x="4096512" y="2569464"/>
-            <a:ext cx="7384288" cy="3526536"/>
+            <a:off x="812799" y="1065127"/>
+            <a:ext cx="11261213" cy="4853891"/>
           </a:xfrm>
           <a:prstGeom prst="rect">
             <a:avLst/>
@@ -19725,9 +20634,189 @@
         </p:spPr>
         <p:txBody>
           <a:bodyPr spcFirstLastPara="1" wrap="square" lIns="91425" tIns="45700" rIns="91425" bIns="45700" anchor="t" anchorCtr="0">
-            <a:normAutofit/>
+            <a:normAutofit fontScale="70000" lnSpcReduction="20000"/>
           </a:bodyPr>
           <a:lstStyle/>
+          <a:p>
+            <a:pPr marL="76200" indent="0">
+              <a:buNone/>
+            </a:pPr>
+            <a:r>
+              <a:rPr lang="en-IN" b="1" dirty="0"/>
+              <a:t>3. Save Report</a:t>
+            </a:r>
+          </a:p>
+          <a:p>
+            <a:r>
+              <a:rPr lang="en-IN" dirty="0"/>
+              <a:t>Create a </a:t>
+            </a:r>
+            <a:r>
+              <a:rPr lang="en-IN" b="1" dirty="0"/>
+              <a:t>report object</a:t>
+            </a:r>
+            <a:r>
+              <a:rPr lang="en-IN" dirty="0"/>
+              <a:t> with:</a:t>
+            </a:r>
+          </a:p>
+          <a:p>
+            <a:pPr lvl="1">
+              <a:buFont typeface="Arial" panose="020B0604020202020204" pitchFamily="34" charset="0"/>
+              <a:buChar char="•"/>
+            </a:pPr>
+            <a:r>
+              <a:rPr lang="en-IN" dirty="0"/>
+              <a:t>Activity name</a:t>
+            </a:r>
+          </a:p>
+          <a:p>
+            <a:pPr lvl="1">
+              <a:buFont typeface="Arial" panose="020B0604020202020204" pitchFamily="34" charset="0"/>
+              <a:buChar char="•"/>
+            </a:pPr>
+            <a:r>
+              <a:rPr lang="en-IN" dirty="0"/>
+              <a:t>Total emissions (kg </a:t>
+            </a:r>
+            <a:r>
+              <a:rPr lang="en-IN" dirty="0" err="1"/>
+              <a:t>CO₂e</a:t>
+            </a:r>
+            <a:r>
+              <a:rPr lang="en-IN" dirty="0"/>
+              <a:t>)</a:t>
+            </a:r>
+          </a:p>
+          <a:p>
+            <a:pPr lvl="1">
+              <a:buFont typeface="Arial" panose="020B0604020202020204" pitchFamily="34" charset="0"/>
+              <a:buChar char="•"/>
+            </a:pPr>
+            <a:r>
+              <a:rPr lang="en-IN" dirty="0"/>
+              <a:t>Unit and calculation explanation</a:t>
+            </a:r>
+          </a:p>
+          <a:p>
+            <a:pPr lvl="1">
+              <a:buFont typeface="Arial" panose="020B0604020202020204" pitchFamily="34" charset="0"/>
+              <a:buChar char="•"/>
+            </a:pPr>
+            <a:r>
+              <a:rPr lang="en-IN" dirty="0"/>
+              <a:t>Timestamp and unique ID</a:t>
+            </a:r>
+          </a:p>
+          <a:p>
+            <a:r>
+              <a:rPr lang="en-IN" dirty="0"/>
+              <a:t>Save the report in </a:t>
+            </a:r>
+            <a:r>
+              <a:rPr lang="en-IN" b="1" dirty="0" err="1"/>
+              <a:t>localStorage</a:t>
+            </a:r>
+            <a:r>
+              <a:rPr lang="en-IN" dirty="0"/>
+              <a:t> for persistence.</a:t>
+            </a:r>
+            <a:br>
+              <a:rPr lang="en-IN" dirty="0"/>
+            </a:br>
+            <a:endParaRPr lang="en-IN" dirty="0"/>
+          </a:p>
+          <a:p>
+            <a:pPr marL="76200" indent="0">
+              <a:buNone/>
+            </a:pPr>
+            <a:r>
+              <a:rPr lang="en-IN" b="1" dirty="0"/>
+              <a:t>4. Visualize Results</a:t>
+            </a:r>
+          </a:p>
+          <a:p>
+            <a:r>
+              <a:rPr lang="en-IN" b="1" dirty="0"/>
+              <a:t>a. KPI Dashboard</a:t>
+            </a:r>
+          </a:p>
+          <a:p>
+            <a:pPr>
+              <a:buFont typeface="Arial" panose="020B0604020202020204" pitchFamily="34" charset="0"/>
+              <a:buChar char="•"/>
+            </a:pPr>
+            <a:r>
+              <a:rPr lang="en-IN" dirty="0"/>
+              <a:t>Show 3 key metrics:</a:t>
+            </a:r>
+          </a:p>
+          <a:p>
+            <a:pPr lvl="1">
+              <a:buFont typeface="Arial" panose="020B0604020202020204" pitchFamily="34" charset="0"/>
+              <a:buChar char="•"/>
+            </a:pPr>
+            <a:r>
+              <a:rPr lang="en-IN" dirty="0"/>
+              <a:t>Total Emissions</a:t>
+            </a:r>
+          </a:p>
+          <a:p>
+            <a:pPr lvl="1">
+              <a:buFont typeface="Arial" panose="020B0604020202020204" pitchFamily="34" charset="0"/>
+              <a:buChar char="•"/>
+            </a:pPr>
+            <a:r>
+              <a:rPr lang="en-IN" dirty="0"/>
+              <a:t>Absorbed by Carbon Sinks</a:t>
+            </a:r>
+          </a:p>
+          <a:p>
+            <a:pPr lvl="1">
+              <a:buFont typeface="Arial" panose="020B0604020202020204" pitchFamily="34" charset="0"/>
+              <a:buChar char="•"/>
+            </a:pPr>
+            <a:r>
+              <a:rPr lang="en-IN" dirty="0"/>
+              <a:t>Remaining Emissions</a:t>
+            </a:r>
+          </a:p>
+          <a:p>
+            <a:r>
+              <a:rPr lang="en-IN" b="1" dirty="0"/>
+              <a:t>b. Charts</a:t>
+            </a:r>
+          </a:p>
+          <a:p>
+            <a:r>
+              <a:rPr lang="en-IN" b="1" dirty="0"/>
+              <a:t>Pie Chart:</a:t>
+            </a:r>
+            <a:r>
+              <a:rPr lang="en-IN" dirty="0"/>
+              <a:t> Emissions vs. Absorption</a:t>
+            </a:r>
+          </a:p>
+          <a:p>
+            <a:r>
+              <a:rPr lang="en-IN" b="1" dirty="0"/>
+              <a:t>Bar Chart:</a:t>
+            </a:r>
+            <a:r>
+              <a:rPr lang="en-IN" dirty="0"/>
+              <a:t> Absorption by ecosystem (Trees, Forest, Wetlands, Soil)</a:t>
+            </a:r>
+          </a:p>
+          <a:p>
+            <a:r>
+              <a:rPr lang="en-IN" b="1" dirty="0"/>
+              <a:t>Optional:</a:t>
+            </a:r>
+            <a:r>
+              <a:rPr lang="en-IN" dirty="0"/>
+              <a:t> Contextual bar chart (cars, flights, households)</a:t>
+            </a:r>
+          </a:p>
           <a:p>
             <a:pPr marL="342900" lvl="0" indent="-190500" algn="just" rtl="0">
               <a:lnSpc>
@@ -19752,40 +20841,10 @@
           </a:p>
         </p:txBody>
       </p:sp>
-      <p:pic>
-        <p:nvPicPr>
-          <p:cNvPr id="3" name="Picture 2">
-            <a:extLst>
-              <a:ext uri="{FF2B5EF4-FFF2-40B4-BE49-F238E27FC236}">
-                <a16:creationId xmlns:a16="http://schemas.microsoft.com/office/drawing/2014/main" id="{98E9D3E8-BE11-25D5-86FC-FCE085257116}"/>
-              </a:ext>
-            </a:extLst>
-          </p:cNvPr>
-          <p:cNvPicPr>
-            <a:picLocks noChangeAspect="1"/>
-          </p:cNvPicPr>
-          <p:nvPr/>
-        </p:nvPicPr>
-        <p:blipFill>
-          <a:blip r:embed="rId3"/>
-          <a:stretch>
-            <a:fillRect/>
-          </a:stretch>
-        </p:blipFill>
-        <p:spPr>
-          <a:xfrm>
-            <a:off x="4355917" y="1155033"/>
-            <a:ext cx="1893173" cy="4819206"/>
-          </a:xfrm>
-          <a:prstGeom prst="rect">
-            <a:avLst/>
-          </a:prstGeom>
-        </p:spPr>
-      </p:pic>
     </p:spTree>
     <p:extLst>
       <p:ext uri="{BB962C8B-B14F-4D97-AF65-F5344CB8AC3E}">
-        <p14:creationId xmlns:p14="http://schemas.microsoft.com/office/powerpoint/2010/main" val="2000455742"/>
+        <p14:creationId xmlns:p14="http://schemas.microsoft.com/office/powerpoint/2010/main" val="3094663693"/>
       </p:ext>
     </p:extLst>
   </p:cSld>
@@ -19796,6 +20855,328 @@
 </file>
 
 <file path=ppt/slides/slide8.xml><?xml version="1.0" encoding="utf-8"?>
+<p:sld xmlns:a="http://schemas.openxmlformats.org/drawingml/2006/main" xmlns:r="http://schemas.openxmlformats.org/officeDocument/2006/relationships" xmlns:p="http://schemas.openxmlformats.org/presentationml/2006/main">
+  <p:cSld>
+    <p:spTree>
+      <p:nvGrpSpPr>
+        <p:cNvPr id="1" name="Shape 113">
+          <a:extLst>
+            <a:ext uri="{FF2B5EF4-FFF2-40B4-BE49-F238E27FC236}">
+              <a16:creationId xmlns:a16="http://schemas.microsoft.com/office/drawing/2014/main" id="{8942F963-4A4C-110C-5E6F-082FFF39BDA0}"/>
+            </a:ext>
+          </a:extLst>
+        </p:cNvPr>
+        <p:cNvGrpSpPr/>
+        <p:nvPr/>
+      </p:nvGrpSpPr>
+      <p:grpSpPr>
+        <a:xfrm>
+          <a:off x="0" y="0"/>
+          <a:ext cx="0" cy="0"/>
+          <a:chOff x="0" y="0"/>
+          <a:chExt cx="0" cy="0"/>
+        </a:xfrm>
+      </p:grpSpPr>
+      <p:sp>
+        <p:nvSpPr>
+          <p:cNvPr id="114" name="Google Shape;114;p17">
+            <a:extLst>
+              <a:ext uri="{FF2B5EF4-FFF2-40B4-BE49-F238E27FC236}">
+                <a16:creationId xmlns:a16="http://schemas.microsoft.com/office/drawing/2014/main" id="{10590505-7955-457F-41C9-073B73DF226F}"/>
+              </a:ext>
+            </a:extLst>
+          </p:cNvPr>
+          <p:cNvSpPr txBox="1">
+            <a:spLocks noGrp="1"/>
+          </p:cNvSpPr>
+          <p:nvPr>
+            <p:ph type="title"/>
+          </p:nvPr>
+        </p:nvSpPr>
+        <p:spPr>
+          <a:xfrm>
+            <a:off x="812800" y="274638"/>
+            <a:ext cx="10668000" cy="487500"/>
+          </a:xfrm>
+          <a:prstGeom prst="rect">
+            <a:avLst/>
+          </a:prstGeom>
+          <a:noFill/>
+          <a:ln>
+            <a:noFill/>
+          </a:ln>
+        </p:spPr>
+        <p:txBody>
+          <a:bodyPr spcFirstLastPara="1" wrap="square" lIns="91425" tIns="45700" rIns="91425" bIns="45700" anchor="ctr" anchorCtr="0">
+            <a:noAutofit/>
+          </a:bodyPr>
+          <a:lstStyle/>
+          <a:p>
+            <a:pPr marL="152400" lvl="0">
+              <a:lnSpc>
+                <a:spcPct val="200000"/>
+              </a:lnSpc>
+            </a:pPr>
+            <a:r>
+              <a:rPr lang="en-US" dirty="0">
+                <a:latin typeface="Cambria" panose="02040503050406030204" pitchFamily="18" charset="0"/>
+                <a:ea typeface="Cambria" panose="02040503050406030204" pitchFamily="18" charset="0"/>
+              </a:rPr>
+              <a:t>Algorithm Implemented (Cont..)</a:t>
+            </a:r>
+          </a:p>
+        </p:txBody>
+      </p:sp>
+      <p:sp>
+        <p:nvSpPr>
+          <p:cNvPr id="115" name="Google Shape;115;p17">
+            <a:extLst>
+              <a:ext uri="{FF2B5EF4-FFF2-40B4-BE49-F238E27FC236}">
+                <a16:creationId xmlns:a16="http://schemas.microsoft.com/office/drawing/2014/main" id="{C078C07C-065C-1F23-E2AF-D68C61EEA306}"/>
+              </a:ext>
+            </a:extLst>
+          </p:cNvPr>
+          <p:cNvSpPr txBox="1">
+            <a:spLocks noGrp="1"/>
+          </p:cNvSpPr>
+          <p:nvPr>
+            <p:ph type="body" idx="1"/>
+          </p:nvPr>
+        </p:nvSpPr>
+        <p:spPr>
+          <a:xfrm>
+            <a:off x="812800" y="1065127"/>
+            <a:ext cx="7898582" cy="5030873"/>
+          </a:xfrm>
+          <a:prstGeom prst="rect">
+            <a:avLst/>
+          </a:prstGeom>
+          <a:noFill/>
+          <a:ln>
+            <a:noFill/>
+          </a:ln>
+        </p:spPr>
+        <p:txBody>
+          <a:bodyPr spcFirstLastPara="1" wrap="square" lIns="91425" tIns="45700" rIns="91425" bIns="45700" anchor="t" anchorCtr="0">
+            <a:normAutofit fontScale="62500" lnSpcReduction="20000"/>
+          </a:bodyPr>
+          <a:lstStyle/>
+          <a:p>
+            <a:pPr marL="76200" indent="0">
+              <a:buNone/>
+            </a:pPr>
+            <a:r>
+              <a:rPr lang="en-GB" b="1" dirty="0"/>
+              <a:t>5. Carbon Sink Analysis</a:t>
+            </a:r>
+          </a:p>
+          <a:p>
+            <a:r>
+              <a:rPr lang="en-GB" dirty="0"/>
+              <a:t>Display </a:t>
+            </a:r>
+            <a:r>
+              <a:rPr lang="en-GB" b="1" dirty="0"/>
+              <a:t>satellite + forest overlay map</a:t>
+            </a:r>
+            <a:r>
+              <a:rPr lang="en-GB" dirty="0"/>
+              <a:t>:</a:t>
+            </a:r>
+          </a:p>
+          <a:p>
+            <a:pPr lvl="1"/>
+            <a:r>
+              <a:rPr lang="en-GB" dirty="0"/>
+              <a:t>Base layer: Satellite imagery (Esri)</a:t>
+            </a:r>
+          </a:p>
+          <a:p>
+            <a:pPr lvl="1"/>
+            <a:r>
+              <a:rPr lang="en-GB" dirty="0"/>
+              <a:t>Boundaries layer: Country borders</a:t>
+            </a:r>
+          </a:p>
+          <a:p>
+            <a:pPr lvl="1"/>
+            <a:r>
+              <a:rPr lang="en-GB" dirty="0"/>
+              <a:t>Tree cover layer: Global Forest Watch</a:t>
+            </a:r>
+          </a:p>
+          <a:p>
+            <a:r>
+              <a:rPr lang="en-GB" dirty="0"/>
+              <a:t>Add </a:t>
+            </a:r>
+            <a:r>
+              <a:rPr lang="en-GB" b="1" dirty="0"/>
+              <a:t>search functionality</a:t>
+            </a:r>
+            <a:r>
+              <a:rPr lang="en-GB" dirty="0"/>
+              <a:t> with Leaflet </a:t>
+            </a:r>
+            <a:r>
+              <a:rPr lang="en-GB" dirty="0" err="1"/>
+              <a:t>GeoSearch</a:t>
+            </a:r>
+            <a:r>
+              <a:rPr lang="en-GB" dirty="0"/>
+              <a:t>.</a:t>
+            </a:r>
+          </a:p>
+          <a:p>
+            <a:r>
+              <a:rPr lang="en-GB" dirty="0"/>
+              <a:t>Highlight areas of high/low tree coverage.</a:t>
+            </a:r>
+          </a:p>
+          <a:p>
+            <a:br>
+              <a:rPr lang="en-GB" dirty="0"/>
+            </a:br>
+            <a:endParaRPr lang="en-GB" dirty="0"/>
+          </a:p>
+          <a:p>
+            <a:pPr marL="76200" indent="0">
+              <a:buNone/>
+            </a:pPr>
+            <a:r>
+              <a:rPr lang="en-GB" b="1" dirty="0"/>
+              <a:t>6. PDF Export</a:t>
+            </a:r>
+          </a:p>
+          <a:p>
+            <a:r>
+              <a:rPr lang="en-GB" dirty="0"/>
+              <a:t>Use html2canvas and </a:t>
+            </a:r>
+            <a:r>
+              <a:rPr lang="en-GB" dirty="0" err="1"/>
+              <a:t>jsPDF</a:t>
+            </a:r>
+            <a:r>
+              <a:rPr lang="en-GB" dirty="0"/>
+              <a:t> to </a:t>
+            </a:r>
+            <a:r>
+              <a:rPr lang="en-GB" b="1" dirty="0"/>
+              <a:t>capture dashboard as PDF</a:t>
+            </a:r>
+            <a:r>
+              <a:rPr lang="en-GB" dirty="0"/>
+              <a:t>.</a:t>
+            </a:r>
+          </a:p>
+          <a:p>
+            <a:r>
+              <a:rPr lang="en-GB" dirty="0"/>
+              <a:t>Include charts, KPI cards, map, and insights.</a:t>
+            </a:r>
+          </a:p>
+          <a:p>
+            <a:r>
+              <a:rPr lang="en-GB" dirty="0"/>
+              <a:t>Save PDF locally and optionally store in </a:t>
+            </a:r>
+            <a:r>
+              <a:rPr lang="en-GB" b="1" dirty="0" err="1"/>
+              <a:t>localStorage</a:t>
+            </a:r>
+            <a:r>
+              <a:rPr lang="en-GB" dirty="0"/>
+              <a:t>.</a:t>
+            </a:r>
+          </a:p>
+          <a:p>
+            <a:br>
+              <a:rPr lang="en-GB" dirty="0"/>
+            </a:br>
+            <a:endParaRPr lang="en-GB" dirty="0"/>
+          </a:p>
+          <a:p>
+            <a:pPr marL="76200" indent="0">
+              <a:buNone/>
+            </a:pPr>
+            <a:r>
+              <a:rPr lang="en-GB" b="1" dirty="0"/>
+              <a:t>7. Insights &amp; Q&amp;A</a:t>
+            </a:r>
+          </a:p>
+          <a:p>
+            <a:r>
+              <a:rPr lang="en-GB" dirty="0"/>
+              <a:t>Interpret results:</a:t>
+            </a:r>
+          </a:p>
+          <a:p>
+            <a:pPr lvl="1"/>
+            <a:r>
+              <a:rPr lang="en-GB" dirty="0"/>
+              <a:t>How activity emissions compare to natural absorption</a:t>
+            </a:r>
+          </a:p>
+          <a:p>
+            <a:pPr lvl="1"/>
+            <a:r>
+              <a:rPr lang="en-GB" dirty="0"/>
+              <a:t>Environmental context: trees needed, equivalent car km, flights, households</a:t>
+            </a:r>
+          </a:p>
+          <a:p>
+            <a:r>
+              <a:rPr lang="en-GB" dirty="0"/>
+              <a:t>Provide </a:t>
+            </a:r>
+            <a:r>
+              <a:rPr lang="en-GB" b="1" dirty="0"/>
+              <a:t>explanations and tips</a:t>
+            </a:r>
+            <a:r>
+              <a:rPr lang="en-GB" dirty="0"/>
+              <a:t> for reducing emissions.</a:t>
+            </a:r>
+          </a:p>
+          <a:p>
+            <a:pPr marL="342900" lvl="0" indent="-190500" algn="just" rtl="0">
+              <a:lnSpc>
+                <a:spcPct val="200000"/>
+              </a:lnSpc>
+              <a:spcBef>
+                <a:spcPts val="0"/>
+              </a:spcBef>
+              <a:spcAft>
+                <a:spcPts val="0"/>
+              </a:spcAft>
+              <a:buClr>
+                <a:schemeClr val="dk1"/>
+              </a:buClr>
+              <a:buSzPct val="100000"/>
+              <a:buNone/>
+            </a:pPr>
+            <a:endParaRPr dirty="0">
+              <a:latin typeface="Cambria" panose="02040503050406030204" pitchFamily="18" charset="0"/>
+              <a:ea typeface="Cambria" panose="02040503050406030204" pitchFamily="18" charset="0"/>
+            </a:endParaRPr>
+          </a:p>
+        </p:txBody>
+      </p:sp>
+    </p:spTree>
+    <p:extLst>
+      <p:ext uri="{BB962C8B-B14F-4D97-AF65-F5344CB8AC3E}">
+        <p14:creationId xmlns:p14="http://schemas.microsoft.com/office/powerpoint/2010/main" val="3037610542"/>
+      </p:ext>
+    </p:extLst>
+  </p:cSld>
+  <p:clrMapOvr>
+    <a:masterClrMapping/>
+  </p:clrMapOvr>
+</p:sld>
+</file>
+
+<file path=ppt/slides/slide9.xml><?xml version="1.0" encoding="utf-8"?>
 <p:sld xmlns:a="http://schemas.openxmlformats.org/drawingml/2006/main" xmlns:r="http://schemas.openxmlformats.org/officeDocument/2006/relationships" xmlns:p="http://schemas.openxmlformats.org/presentationml/2006/main">
   <p:cSld>
     <p:spTree>
@@ -20507,619 +21888,6 @@
     <p:extLst>
       <p:ext uri="{BB962C8B-B14F-4D97-AF65-F5344CB8AC3E}">
         <p14:creationId xmlns:p14="http://schemas.microsoft.com/office/powerpoint/2010/main" val="479890276"/>
-      </p:ext>
-    </p:extLst>
-  </p:cSld>
-  <p:clrMapOvr>
-    <a:masterClrMapping/>
-  </p:clrMapOvr>
-</p:sld>
-</file>
-
-<file path=ppt/slides/slide9.xml><?xml version="1.0" encoding="utf-8"?>
-<p:sld xmlns:a="http://schemas.openxmlformats.org/drawingml/2006/main" xmlns:r="http://schemas.openxmlformats.org/officeDocument/2006/relationships" xmlns:p="http://schemas.openxmlformats.org/presentationml/2006/main">
-  <p:cSld>
-    <p:spTree>
-      <p:nvGrpSpPr>
-        <p:cNvPr id="1" name=""/>
-        <p:cNvGrpSpPr/>
-        <p:nvPr/>
-      </p:nvGrpSpPr>
-      <p:grpSpPr>
-        <a:xfrm>
-          <a:off x="0" y="0"/>
-          <a:ext cx="0" cy="0"/>
-          <a:chOff x="0" y="0"/>
-          <a:chExt cx="0" cy="0"/>
-        </a:xfrm>
-      </p:grpSpPr>
-      <p:sp>
-        <p:nvSpPr>
-          <p:cNvPr id="2" name="Title 1">
-            <a:extLst>
-              <a:ext uri="{FF2B5EF4-FFF2-40B4-BE49-F238E27FC236}">
-                <a16:creationId xmlns:a16="http://schemas.microsoft.com/office/drawing/2014/main" id="{CF07620E-A3A3-90FF-998A-706CC9A51C3B}"/>
-              </a:ext>
-            </a:extLst>
-          </p:cNvPr>
-          <p:cNvSpPr>
-            <a:spLocks noGrp="1"/>
-          </p:cNvSpPr>
-          <p:nvPr>
-            <p:ph type="title"/>
-          </p:nvPr>
-        </p:nvSpPr>
-        <p:spPr/>
-        <p:txBody>
-          <a:bodyPr/>
-          <a:lstStyle/>
-          <a:p>
-            <a:r>
-              <a:rPr lang="en-IN" dirty="0">
-                <a:latin typeface="Cambria" panose="02040503050406030204" pitchFamily="18" charset="0"/>
-                <a:ea typeface="Cambria" panose="02040503050406030204" pitchFamily="18" charset="0"/>
-              </a:rPr>
-              <a:t>Implemented Pages (</a:t>
-            </a:r>
-            <a:r>
-              <a:rPr lang="en-IN" dirty="0" err="1">
-                <a:latin typeface="Cambria" panose="02040503050406030204" pitchFamily="18" charset="0"/>
-                <a:ea typeface="Cambria" panose="02040503050406030204" pitchFamily="18" charset="0"/>
-              </a:rPr>
-              <a:t>Cont</a:t>
-            </a:r>
-            <a:r>
-              <a:rPr lang="en-IN" dirty="0">
-                <a:latin typeface="Cambria" panose="02040503050406030204" pitchFamily="18" charset="0"/>
-                <a:ea typeface="Cambria" panose="02040503050406030204" pitchFamily="18" charset="0"/>
-              </a:rPr>
-              <a:t>….)</a:t>
-            </a:r>
-            <a:endParaRPr lang="en-IN" dirty="0"/>
-          </a:p>
-        </p:txBody>
-      </p:sp>
-      <p:sp>
-        <p:nvSpPr>
-          <p:cNvPr id="4" name="Rectangle 1">
-            <a:extLst>
-              <a:ext uri="{FF2B5EF4-FFF2-40B4-BE49-F238E27FC236}">
-                <a16:creationId xmlns:a16="http://schemas.microsoft.com/office/drawing/2014/main" id="{B19FFD8C-5D88-9006-6804-4172B0F30AC6}"/>
-              </a:ext>
-            </a:extLst>
-          </p:cNvPr>
-          <p:cNvSpPr>
-            <a:spLocks noGrp="1" noChangeArrowheads="1"/>
-          </p:cNvSpPr>
-          <p:nvPr>
-            <p:ph type="body" idx="1"/>
-          </p:nvPr>
-        </p:nvSpPr>
-        <p:spPr bwMode="auto">
-          <a:xfrm>
-            <a:off x="629920" y="1368946"/>
-            <a:ext cx="10362132" cy="3385542"/>
-          </a:xfrm>
-          <a:prstGeom prst="rect">
-            <a:avLst/>
-          </a:prstGeom>
-          <a:noFill/>
-          <a:ln>
-            <a:noFill/>
-          </a:ln>
-          <a:effectLst/>
-          <a:extLst>
-            <a:ext uri="{909E8E84-426E-40DD-AFC4-6F175D3DCCD1}">
-              <a14:hiddenFill xmlns:a14="http://schemas.microsoft.com/office/drawing/2010/main">
-                <a:solidFill>
-                  <a:schemeClr val="accent1"/>
-                </a:solidFill>
-              </a14:hiddenFill>
-            </a:ext>
-            <a:ext uri="{91240B29-F687-4F45-9708-019B960494DF}">
-              <a14:hiddenLine xmlns:a14="http://schemas.microsoft.com/office/drawing/2010/main" w="9525">
-                <a:solidFill>
-                  <a:schemeClr val="tx1"/>
-                </a:solidFill>
-                <a:miter lim="800000"/>
-                <a:headEnd/>
-                <a:tailEnd/>
-              </a14:hiddenLine>
-            </a:ext>
-            <a:ext uri="{AF507438-7753-43E0-B8FC-AC1667EBCBE1}">
-              <a14:hiddenEffects xmlns:a14="http://schemas.microsoft.com/office/drawing/2010/main">
-                <a:effectLst>
-                  <a:outerShdw dist="35921" dir="2700000" algn="ctr" rotWithShape="0">
-                    <a:schemeClr val="bg2"/>
-                  </a:outerShdw>
-                </a:effectLst>
-              </a14:hiddenEffects>
-            </a:ext>
-          </a:extLst>
-        </p:spPr>
-        <p:txBody>
-          <a:bodyPr vert="horz" wrap="none" lIns="91440" tIns="45720" rIns="91440" bIns="45720" numCol="1" anchor="ctr" anchorCtr="0" compatLnSpc="1">
-            <a:prstTxWarp prst="textNoShape">
-              <a:avLst/>
-            </a:prstTxWarp>
-            <a:spAutoFit/>
-          </a:bodyPr>
-          <a:lstStyle/>
-          <a:p>
-            <a:pPr marL="342900" marR="0" lvl="0" indent="-342900" algn="l" defTabSz="914400" rtl="0" eaLnBrk="0" fontAlgn="base" latinLnBrk="0" hangingPunct="0">
-              <a:lnSpc>
-                <a:spcPct val="100000"/>
-              </a:lnSpc>
-              <a:spcBef>
-                <a:spcPct val="0"/>
-              </a:spcBef>
-              <a:spcAft>
-                <a:spcPct val="0"/>
-              </a:spcAft>
-              <a:buClrTx/>
-              <a:buSzTx/>
-              <a:buFont typeface="Arial" panose="020B0604020202020204" pitchFamily="34" charset="0"/>
-              <a:buChar char="•"/>
-              <a:tabLst/>
-            </a:pPr>
-            <a:r>
-              <a:rPr kumimoji="0" lang="en-US" altLang="en-US" b="1" i="0" u="none" strike="noStrike" cap="none" normalizeH="0" baseline="0" dirty="0">
-                <a:ln>
-                  <a:noFill/>
-                </a:ln>
-                <a:solidFill>
-                  <a:schemeClr val="tx1"/>
-                </a:solidFill>
-                <a:effectLst/>
-                <a:latin typeface="Arial" panose="020B0604020202020204" pitchFamily="34" charset="0"/>
-              </a:rPr>
-              <a:t>Emission Report Page</a:t>
-            </a:r>
-            <a:endParaRPr kumimoji="0" lang="en-US" altLang="en-US" b="0" i="0" u="none" strike="noStrike" cap="none" normalizeH="0" baseline="0" dirty="0">
-              <a:ln>
-                <a:noFill/>
-              </a:ln>
-              <a:solidFill>
-                <a:schemeClr val="tx1"/>
-              </a:solidFill>
-              <a:effectLst/>
-              <a:latin typeface="Arial" panose="020B0604020202020204" pitchFamily="34" charset="0"/>
-            </a:endParaRPr>
-          </a:p>
-          <a:p>
-            <a:pPr marL="800100" lvl="1" indent="-342900" eaLnBrk="0" fontAlgn="base" hangingPunct="0">
-              <a:spcBef>
-                <a:spcPct val="0"/>
-              </a:spcBef>
-              <a:spcAft>
-                <a:spcPct val="0"/>
-              </a:spcAft>
-              <a:buClrTx/>
-              <a:buSzTx/>
-              <a:buFont typeface="Wingdings" panose="05000000000000000000" pitchFamily="2" charset="2"/>
-              <a:buChar char="Ø"/>
-            </a:pPr>
-            <a:r>
-              <a:rPr kumimoji="0" lang="en-US" altLang="en-US" b="0" i="0" u="none" strike="noStrike" cap="none" normalizeH="0" baseline="0" dirty="0">
-                <a:ln>
-                  <a:noFill/>
-                </a:ln>
-                <a:solidFill>
-                  <a:schemeClr val="tx1"/>
-                </a:solidFill>
-                <a:effectLst/>
-                <a:latin typeface="Arial" panose="020B0604020202020204" pitchFamily="34" charset="0"/>
-              </a:rPr>
-              <a:t>Displays </a:t>
-            </a:r>
-            <a:r>
-              <a:rPr kumimoji="0" lang="en-US" altLang="en-US" b="1" i="0" u="none" strike="noStrike" cap="none" normalizeH="0" baseline="0" dirty="0">
-                <a:ln>
-                  <a:noFill/>
-                </a:ln>
-                <a:solidFill>
-                  <a:schemeClr val="tx1"/>
-                </a:solidFill>
-                <a:effectLst/>
-                <a:latin typeface="Arial" panose="020B0604020202020204" pitchFamily="34" charset="0"/>
-              </a:rPr>
-              <a:t>calculated carbon emissions</a:t>
-            </a:r>
-            <a:r>
-              <a:rPr kumimoji="0" lang="en-US" altLang="en-US" b="0" i="0" u="none" strike="noStrike" cap="none" normalizeH="0" baseline="0" dirty="0">
-                <a:ln>
-                  <a:noFill/>
-                </a:ln>
-                <a:solidFill>
-                  <a:schemeClr val="tx1"/>
-                </a:solidFill>
-                <a:effectLst/>
-                <a:latin typeface="Arial" panose="020B0604020202020204" pitchFamily="34" charset="0"/>
-              </a:rPr>
-              <a:t> from entered data.</a:t>
-            </a:r>
-          </a:p>
-          <a:p>
-            <a:pPr marL="800100" lvl="1" indent="-342900" eaLnBrk="0" fontAlgn="base" hangingPunct="0">
-              <a:spcBef>
-                <a:spcPct val="0"/>
-              </a:spcBef>
-              <a:spcAft>
-                <a:spcPct val="0"/>
-              </a:spcAft>
-              <a:buClrTx/>
-              <a:buSzTx/>
-              <a:buFont typeface="Wingdings" panose="05000000000000000000" pitchFamily="2" charset="2"/>
-              <a:buChar char="Ø"/>
-            </a:pPr>
-            <a:r>
-              <a:rPr kumimoji="0" lang="en-US" altLang="en-US" b="0" i="0" u="none" strike="noStrike" cap="none" normalizeH="0" baseline="0" dirty="0">
-                <a:ln>
-                  <a:noFill/>
-                </a:ln>
-                <a:solidFill>
-                  <a:schemeClr val="tx1"/>
-                </a:solidFill>
-                <a:effectLst/>
-                <a:latin typeface="Arial" panose="020B0604020202020204" pitchFamily="34" charset="0"/>
-              </a:rPr>
-              <a:t>Uses charts/graphs for </a:t>
-            </a:r>
-            <a:r>
-              <a:rPr kumimoji="0" lang="en-US" altLang="en-US" b="1" i="0" u="none" strike="noStrike" cap="none" normalizeH="0" baseline="0" dirty="0">
-                <a:ln>
-                  <a:noFill/>
-                </a:ln>
-                <a:solidFill>
-                  <a:schemeClr val="tx1"/>
-                </a:solidFill>
-                <a:effectLst/>
-                <a:latin typeface="Arial" panose="020B0604020202020204" pitchFamily="34" charset="0"/>
-              </a:rPr>
-              <a:t>clear visualization of emission sources</a:t>
-            </a:r>
-            <a:r>
-              <a:rPr kumimoji="0" lang="en-US" altLang="en-US" b="0" i="0" u="none" strike="noStrike" cap="none" normalizeH="0" baseline="0" dirty="0">
-                <a:ln>
-                  <a:noFill/>
-                </a:ln>
-                <a:solidFill>
-                  <a:schemeClr val="tx1"/>
-                </a:solidFill>
-                <a:effectLst/>
-                <a:latin typeface="Arial" panose="020B0604020202020204" pitchFamily="34" charset="0"/>
-              </a:rPr>
-              <a:t>.</a:t>
-            </a:r>
-          </a:p>
-          <a:p>
-            <a:pPr marL="342900" marR="0" lvl="0" indent="-342900" algn="l" defTabSz="914400" rtl="0" eaLnBrk="0" fontAlgn="base" latinLnBrk="0" hangingPunct="0">
-              <a:lnSpc>
-                <a:spcPct val="100000"/>
-              </a:lnSpc>
-              <a:spcBef>
-                <a:spcPct val="0"/>
-              </a:spcBef>
-              <a:spcAft>
-                <a:spcPct val="0"/>
-              </a:spcAft>
-              <a:buClrTx/>
-              <a:buSzTx/>
-              <a:buFont typeface="Arial" panose="020B0604020202020204" pitchFamily="34" charset="0"/>
-              <a:buChar char="•"/>
-              <a:tabLst/>
-            </a:pPr>
-            <a:r>
-              <a:rPr kumimoji="0" lang="en-US" altLang="en-US" b="1" i="0" u="none" strike="noStrike" cap="none" normalizeH="0" baseline="0" dirty="0">
-                <a:ln>
-                  <a:noFill/>
-                </a:ln>
-                <a:solidFill>
-                  <a:schemeClr val="tx1"/>
-                </a:solidFill>
-                <a:effectLst/>
-                <a:latin typeface="Arial" panose="020B0604020202020204" pitchFamily="34" charset="0"/>
-              </a:rPr>
-              <a:t>Sink Analysis Page</a:t>
-            </a:r>
-            <a:endParaRPr kumimoji="0" lang="en-US" altLang="en-US" b="0" i="0" u="none" strike="noStrike" cap="none" normalizeH="0" baseline="0" dirty="0">
-              <a:ln>
-                <a:noFill/>
-              </a:ln>
-              <a:solidFill>
-                <a:schemeClr val="tx1"/>
-              </a:solidFill>
-              <a:effectLst/>
-              <a:latin typeface="Arial" panose="020B0604020202020204" pitchFamily="34" charset="0"/>
-            </a:endParaRPr>
-          </a:p>
-          <a:p>
-            <a:pPr marL="800100" lvl="1" indent="-342900" eaLnBrk="0" fontAlgn="base" hangingPunct="0">
-              <a:spcBef>
-                <a:spcPct val="0"/>
-              </a:spcBef>
-              <a:spcAft>
-                <a:spcPct val="0"/>
-              </a:spcAft>
-              <a:buClrTx/>
-              <a:buSzTx/>
-              <a:buFont typeface="Wingdings" panose="05000000000000000000" pitchFamily="2" charset="2"/>
-              <a:buChar char="Ø"/>
-            </a:pPr>
-            <a:r>
-              <a:rPr kumimoji="0" lang="en-US" altLang="en-US" b="0" i="0" u="none" strike="noStrike" cap="none" normalizeH="0" baseline="0" dirty="0">
-                <a:ln>
-                  <a:noFill/>
-                </a:ln>
-                <a:solidFill>
-                  <a:schemeClr val="tx1"/>
-                </a:solidFill>
-                <a:effectLst/>
-                <a:latin typeface="Arial" panose="020B0604020202020204" pitchFamily="34" charset="0"/>
-              </a:rPr>
-              <a:t>Shows </a:t>
-            </a:r>
-            <a:r>
-              <a:rPr kumimoji="0" lang="en-US" altLang="en-US" b="1" i="0" u="none" strike="noStrike" cap="none" normalizeH="0" baseline="0" dirty="0">
-                <a:ln>
-                  <a:noFill/>
-                </a:ln>
-                <a:solidFill>
-                  <a:schemeClr val="tx1"/>
-                </a:solidFill>
-                <a:effectLst/>
-                <a:latin typeface="Arial" panose="020B0604020202020204" pitchFamily="34" charset="0"/>
-              </a:rPr>
-              <a:t>tree cover, carbon absorption potential, and afforestation scope</a:t>
-            </a:r>
-            <a:r>
-              <a:rPr kumimoji="0" lang="en-US" altLang="en-US" b="0" i="0" u="none" strike="noStrike" cap="none" normalizeH="0" baseline="0" dirty="0">
-                <a:ln>
-                  <a:noFill/>
-                </a:ln>
-                <a:solidFill>
-                  <a:schemeClr val="tx1"/>
-                </a:solidFill>
-                <a:effectLst/>
-                <a:latin typeface="Arial" panose="020B0604020202020204" pitchFamily="34" charset="0"/>
-              </a:rPr>
-              <a:t>.</a:t>
-            </a:r>
-          </a:p>
-          <a:p>
-            <a:pPr marL="800100" lvl="1" indent="-342900" eaLnBrk="0" fontAlgn="base" hangingPunct="0">
-              <a:spcBef>
-                <a:spcPct val="0"/>
-              </a:spcBef>
-              <a:spcAft>
-                <a:spcPct val="0"/>
-              </a:spcAft>
-              <a:buClrTx/>
-              <a:buSzTx/>
-              <a:buFont typeface="Wingdings" panose="05000000000000000000" pitchFamily="2" charset="2"/>
-              <a:buChar char="Ø"/>
-            </a:pPr>
-            <a:r>
-              <a:rPr kumimoji="0" lang="en-US" altLang="en-US" b="0" i="0" u="none" strike="noStrike" cap="none" normalizeH="0" baseline="0" dirty="0">
-                <a:ln>
-                  <a:noFill/>
-                </a:ln>
-                <a:solidFill>
-                  <a:schemeClr val="tx1"/>
-                </a:solidFill>
-                <a:effectLst/>
-                <a:latin typeface="Arial" panose="020B0604020202020204" pitchFamily="34" charset="0"/>
-              </a:rPr>
-              <a:t>Provides comparative analysis between </a:t>
-            </a:r>
-            <a:r>
-              <a:rPr kumimoji="0" lang="en-US" altLang="en-US" b="1" i="0" u="none" strike="noStrike" cap="none" normalizeH="0" baseline="0" dirty="0">
-                <a:ln>
-                  <a:noFill/>
-                </a:ln>
-                <a:solidFill>
-                  <a:schemeClr val="tx1"/>
-                </a:solidFill>
-                <a:effectLst/>
-                <a:latin typeface="Arial" panose="020B0604020202020204" pitchFamily="34" charset="0"/>
-              </a:rPr>
-              <a:t>emissions vs absorption</a:t>
-            </a:r>
-            <a:r>
-              <a:rPr kumimoji="0" lang="en-US" altLang="en-US" b="0" i="0" u="none" strike="noStrike" cap="none" normalizeH="0" baseline="0" dirty="0">
-                <a:ln>
-                  <a:noFill/>
-                </a:ln>
-                <a:solidFill>
-                  <a:schemeClr val="tx1"/>
-                </a:solidFill>
-                <a:effectLst/>
-                <a:latin typeface="Arial" panose="020B0604020202020204" pitchFamily="34" charset="0"/>
-              </a:rPr>
-              <a:t>.</a:t>
-            </a:r>
-          </a:p>
-          <a:p>
-            <a:pPr marL="342900" marR="0" lvl="0" indent="-342900" algn="l" defTabSz="914400" rtl="0" eaLnBrk="0" fontAlgn="base" latinLnBrk="0" hangingPunct="0">
-              <a:lnSpc>
-                <a:spcPct val="100000"/>
-              </a:lnSpc>
-              <a:spcBef>
-                <a:spcPct val="0"/>
-              </a:spcBef>
-              <a:spcAft>
-                <a:spcPct val="0"/>
-              </a:spcAft>
-              <a:buClrTx/>
-              <a:buSzTx/>
-              <a:buFont typeface="Arial" panose="020B0604020202020204" pitchFamily="34" charset="0"/>
-              <a:buChar char="•"/>
-              <a:tabLst/>
-            </a:pPr>
-            <a:r>
-              <a:rPr kumimoji="0" lang="en-US" altLang="en-US" b="1" i="0" u="none" strike="noStrike" cap="none" normalizeH="0" baseline="0" dirty="0">
-                <a:ln>
-                  <a:noFill/>
-                </a:ln>
-                <a:solidFill>
-                  <a:schemeClr val="tx1"/>
-                </a:solidFill>
-                <a:effectLst/>
-                <a:latin typeface="Arial" panose="020B0604020202020204" pitchFamily="34" charset="0"/>
-              </a:rPr>
-              <a:t>Recommendations Page</a:t>
-            </a:r>
-            <a:endParaRPr kumimoji="0" lang="en-US" altLang="en-US" b="0" i="0" u="none" strike="noStrike" cap="none" normalizeH="0" baseline="0" dirty="0">
-              <a:ln>
-                <a:noFill/>
-              </a:ln>
-              <a:solidFill>
-                <a:schemeClr val="tx1"/>
-              </a:solidFill>
-              <a:effectLst/>
-              <a:latin typeface="Arial" panose="020B0604020202020204" pitchFamily="34" charset="0"/>
-            </a:endParaRPr>
-          </a:p>
-          <a:p>
-            <a:pPr marL="800100" lvl="1" indent="-342900" eaLnBrk="0" fontAlgn="base" hangingPunct="0">
-              <a:spcBef>
-                <a:spcPct val="0"/>
-              </a:spcBef>
-              <a:spcAft>
-                <a:spcPct val="0"/>
-              </a:spcAft>
-              <a:buClrTx/>
-              <a:buSzTx/>
-              <a:buFont typeface="Wingdings" panose="05000000000000000000" pitchFamily="2" charset="2"/>
-              <a:buChar char="Ø"/>
-            </a:pPr>
-            <a:r>
-              <a:rPr kumimoji="0" lang="en-US" altLang="en-US" b="0" i="0" u="none" strike="noStrike" cap="none" normalizeH="0" baseline="0" dirty="0">
-                <a:ln>
-                  <a:noFill/>
-                </a:ln>
-                <a:solidFill>
-                  <a:schemeClr val="tx1"/>
-                </a:solidFill>
-                <a:effectLst/>
-                <a:latin typeface="Arial" panose="020B0604020202020204" pitchFamily="34" charset="0"/>
-              </a:rPr>
-              <a:t>Displays </a:t>
-            </a:r>
-            <a:r>
-              <a:rPr kumimoji="0" lang="en-US" altLang="en-US" b="1" i="0" u="none" strike="noStrike" cap="none" normalizeH="0" baseline="0" dirty="0">
-                <a:ln>
-                  <a:noFill/>
-                </a:ln>
-                <a:solidFill>
-                  <a:schemeClr val="tx1"/>
-                </a:solidFill>
-                <a:effectLst/>
-                <a:latin typeface="Arial" panose="020B0604020202020204" pitchFamily="34" charset="0"/>
-              </a:rPr>
-              <a:t>AI-driven recommendations</a:t>
-            </a:r>
-            <a:r>
-              <a:rPr kumimoji="0" lang="en-US" altLang="en-US" b="0" i="0" u="none" strike="noStrike" cap="none" normalizeH="0" baseline="0" dirty="0">
-                <a:ln>
-                  <a:noFill/>
-                </a:ln>
-                <a:solidFill>
-                  <a:schemeClr val="tx1"/>
-                </a:solidFill>
-                <a:effectLst/>
-                <a:latin typeface="Arial" panose="020B0604020202020204" pitchFamily="34" charset="0"/>
-              </a:rPr>
-              <a:t> (afforestation, reclamation, carbon credits).</a:t>
-            </a:r>
-          </a:p>
-          <a:p>
-            <a:pPr marL="800100" lvl="1" indent="-342900" eaLnBrk="0" fontAlgn="base" hangingPunct="0">
-              <a:spcBef>
-                <a:spcPct val="0"/>
-              </a:spcBef>
-              <a:spcAft>
-                <a:spcPct val="0"/>
-              </a:spcAft>
-              <a:buClrTx/>
-              <a:buSzTx/>
-              <a:buFont typeface="Wingdings" panose="05000000000000000000" pitchFamily="2" charset="2"/>
-              <a:buChar char="Ø"/>
-            </a:pPr>
-            <a:r>
-              <a:rPr kumimoji="0" lang="en-US" altLang="en-US" b="0" i="0" u="none" strike="noStrike" cap="none" normalizeH="0" baseline="0" dirty="0">
-                <a:ln>
-                  <a:noFill/>
-                </a:ln>
-                <a:solidFill>
-                  <a:schemeClr val="tx1"/>
-                </a:solidFill>
-                <a:effectLst/>
-                <a:latin typeface="Arial" panose="020B0604020202020204" pitchFamily="34" charset="0"/>
-              </a:rPr>
-              <a:t>Shown in visually appealing </a:t>
-            </a:r>
-            <a:r>
-              <a:rPr kumimoji="0" lang="en-US" altLang="en-US" b="1" i="0" u="none" strike="noStrike" cap="none" normalizeH="0" baseline="0" dirty="0">
-                <a:ln>
-                  <a:noFill/>
-                </a:ln>
-                <a:solidFill>
-                  <a:schemeClr val="tx1"/>
-                </a:solidFill>
-                <a:effectLst/>
-                <a:latin typeface="Arial" panose="020B0604020202020204" pitchFamily="34" charset="0"/>
-              </a:rPr>
-              <a:t>cards with icons &amp; descriptions</a:t>
-            </a:r>
-            <a:r>
-              <a:rPr kumimoji="0" lang="en-US" altLang="en-US" b="0" i="0" u="none" strike="noStrike" cap="none" normalizeH="0" baseline="0" dirty="0">
-                <a:ln>
-                  <a:noFill/>
-                </a:ln>
-                <a:solidFill>
-                  <a:schemeClr val="tx1"/>
-                </a:solidFill>
-                <a:effectLst/>
-                <a:latin typeface="Arial" panose="020B0604020202020204" pitchFamily="34" charset="0"/>
-              </a:rPr>
-              <a:t>.</a:t>
-            </a:r>
-          </a:p>
-          <a:p>
-            <a:pPr marL="285750" marR="0" lvl="0" indent="-285750" algn="l" defTabSz="914400" rtl="0" eaLnBrk="0" fontAlgn="base" latinLnBrk="0" hangingPunct="0">
-              <a:lnSpc>
-                <a:spcPct val="100000"/>
-              </a:lnSpc>
-              <a:spcBef>
-                <a:spcPct val="0"/>
-              </a:spcBef>
-              <a:spcAft>
-                <a:spcPct val="0"/>
-              </a:spcAft>
-              <a:buClrTx/>
-              <a:buSzTx/>
-              <a:buFont typeface="Arial" panose="020B0604020202020204" pitchFamily="34" charset="0"/>
-              <a:buChar char="•"/>
-              <a:tabLst/>
-            </a:pPr>
-            <a:endParaRPr kumimoji="0" lang="en-US" altLang="en-US" sz="1800" b="0" i="0" u="none" strike="noStrike" cap="none" normalizeH="0" baseline="0" dirty="0">
-              <a:ln>
-                <a:noFill/>
-              </a:ln>
-              <a:solidFill>
-                <a:schemeClr val="tx1"/>
-              </a:solidFill>
-              <a:effectLst/>
-              <a:latin typeface="Arial" panose="020B0604020202020204" pitchFamily="34" charset="0"/>
-            </a:endParaRPr>
-          </a:p>
-        </p:txBody>
-      </p:sp>
-    </p:spTree>
-    <p:extLst>
-      <p:ext uri="{BB962C8B-B14F-4D97-AF65-F5344CB8AC3E}">
-        <p14:creationId xmlns:p14="http://schemas.microsoft.com/office/powerpoint/2010/main" val="1271809911"/>
       </p:ext>
     </p:extLst>
   </p:cSld>
